--- a/lecture_15/machine_learning_slides.pptx
+++ b/lecture_15/machine_learning_slides.pptx
@@ -5,35 +5,36 @@
     <p:sldMasterId id="2147483648" r:id="rId1"/>
   </p:sldMasterIdLst>
   <p:notesMasterIdLst>
-    <p:notesMasterId r:id="rId28"/>
+    <p:notesMasterId r:id="rId29"/>
   </p:notesMasterIdLst>
   <p:sldIdLst>
     <p:sldId id="256" r:id="rId2"/>
-    <p:sldId id="389" r:id="rId3"/>
-    <p:sldId id="294" r:id="rId4"/>
-    <p:sldId id="511" r:id="rId5"/>
-    <p:sldId id="507" r:id="rId6"/>
-    <p:sldId id="468" r:id="rId7"/>
-    <p:sldId id="456" r:id="rId8"/>
-    <p:sldId id="457" r:id="rId9"/>
-    <p:sldId id="458" r:id="rId10"/>
-    <p:sldId id="508" r:id="rId11"/>
-    <p:sldId id="472" r:id="rId12"/>
-    <p:sldId id="473" r:id="rId13"/>
-    <p:sldId id="512" r:id="rId14"/>
-    <p:sldId id="308" r:id="rId15"/>
-    <p:sldId id="312" r:id="rId16"/>
-    <p:sldId id="309" r:id="rId17"/>
-    <p:sldId id="313" r:id="rId18"/>
-    <p:sldId id="509" r:id="rId19"/>
-    <p:sldId id="510" r:id="rId20"/>
-    <p:sldId id="286" r:id="rId21"/>
-    <p:sldId id="355" r:id="rId22"/>
-    <p:sldId id="415" r:id="rId23"/>
-    <p:sldId id="391" r:id="rId24"/>
-    <p:sldId id="428" r:id="rId25"/>
-    <p:sldId id="429" r:id="rId26"/>
-    <p:sldId id="513" r:id="rId27"/>
+    <p:sldId id="514" r:id="rId3"/>
+    <p:sldId id="389" r:id="rId4"/>
+    <p:sldId id="294" r:id="rId5"/>
+    <p:sldId id="511" r:id="rId6"/>
+    <p:sldId id="507" r:id="rId7"/>
+    <p:sldId id="468" r:id="rId8"/>
+    <p:sldId id="456" r:id="rId9"/>
+    <p:sldId id="457" r:id="rId10"/>
+    <p:sldId id="458" r:id="rId11"/>
+    <p:sldId id="508" r:id="rId12"/>
+    <p:sldId id="472" r:id="rId13"/>
+    <p:sldId id="473" r:id="rId14"/>
+    <p:sldId id="512" r:id="rId15"/>
+    <p:sldId id="308" r:id="rId16"/>
+    <p:sldId id="312" r:id="rId17"/>
+    <p:sldId id="309" r:id="rId18"/>
+    <p:sldId id="313" r:id="rId19"/>
+    <p:sldId id="509" r:id="rId20"/>
+    <p:sldId id="510" r:id="rId21"/>
+    <p:sldId id="286" r:id="rId22"/>
+    <p:sldId id="355" r:id="rId23"/>
+    <p:sldId id="415" r:id="rId24"/>
+    <p:sldId id="391" r:id="rId25"/>
+    <p:sldId id="428" r:id="rId26"/>
+    <p:sldId id="429" r:id="rId27"/>
+    <p:sldId id="513" r:id="rId28"/>
   </p:sldIdLst>
   <p:sldSz cx="12192000" cy="6858000"/>
   <p:notesSz cx="6858000" cy="9144000"/>
@@ -132,6 +133,11 @@
       </a:defRPr>
     </a:lvl9pPr>
   </p:defaultTextStyle>
+  <p:extLst>
+    <p:ext uri="{EFAFB233-063F-42B5-8137-9DF3F51BA10A}">
+      <p15:sldGuideLst xmlns:p15="http://schemas.microsoft.com/office/powerpoint/2012/main"/>
+    </p:ext>
+  </p:extLst>
 </p:presentation>
 </file>
 
@@ -217,7 +223,7 @@
           <a:p>
             <a:fld id="{748A72B6-5C82-9F45-A455-9537BAA5DE0B}" type="datetimeFigureOut">
               <a:rPr lang="en-US" smtClean="0"/>
-              <a:t>5/14/20</a:t>
+              <a:t>5/21/20</a:t>
             </a:fld>
             <a:endParaRPr lang="en-US"/>
           </a:p>
@@ -657,7 +663,7 @@
           <a:p>
             <a:fld id="{D23C0931-796C-FC4D-B460-B117C573303A}" type="slidenum">
               <a:rPr lang="en-US" smtClean="0"/>
-              <a:t>2</a:t>
+              <a:t>3</a:t>
             </a:fld>
             <a:endParaRPr lang="en-US"/>
           </a:p>
@@ -741,7 +747,7 @@
           <a:p>
             <a:fld id="{6C82B3BB-3C11-8D4B-A9D6-B6C97CD4FA7E}" type="slidenum">
               <a:rPr lang="en-US" smtClean="0"/>
-              <a:t>15</a:t>
+              <a:t>16</a:t>
             </a:fld>
             <a:endParaRPr lang="en-US"/>
           </a:p>
@@ -825,7 +831,7 @@
           <a:p>
             <a:fld id="{6C82B3BB-3C11-8D4B-A9D6-B6C97CD4FA7E}" type="slidenum">
               <a:rPr lang="en-US" smtClean="0"/>
-              <a:t>17</a:t>
+              <a:t>18</a:t>
             </a:fld>
             <a:endParaRPr lang="en-US"/>
           </a:p>
@@ -909,7 +915,7 @@
           <a:p>
             <a:fld id="{6C82B3BB-3C11-8D4B-A9D6-B6C97CD4FA7E}" type="slidenum">
               <a:rPr lang="en-US" smtClean="0"/>
-              <a:t>18</a:t>
+              <a:t>19</a:t>
             </a:fld>
             <a:endParaRPr lang="en-US"/>
           </a:p>
@@ -1075,7 +1081,7 @@
           <a:p>
             <a:fld id="{FD2F8E8F-2EAD-D443-9229-5928F3815F0B}" type="datetimeFigureOut">
               <a:rPr lang="en-US" smtClean="0"/>
-              <a:t>5/14/20</a:t>
+              <a:t>5/21/20</a:t>
             </a:fld>
             <a:endParaRPr lang="en-US"/>
           </a:p>
@@ -1273,7 +1279,7 @@
           <a:p>
             <a:fld id="{FD2F8E8F-2EAD-D443-9229-5928F3815F0B}" type="datetimeFigureOut">
               <a:rPr lang="en-US" smtClean="0"/>
-              <a:t>5/14/20</a:t>
+              <a:t>5/21/20</a:t>
             </a:fld>
             <a:endParaRPr lang="en-US"/>
           </a:p>
@@ -1481,7 +1487,7 @@
           <a:p>
             <a:fld id="{FD2F8E8F-2EAD-D443-9229-5928F3815F0B}" type="datetimeFigureOut">
               <a:rPr lang="en-US" smtClean="0"/>
-              <a:t>5/14/20</a:t>
+              <a:t>5/21/20</a:t>
             </a:fld>
             <a:endParaRPr lang="en-US"/>
           </a:p>
@@ -1821,7 +1827,7 @@
           <a:p>
             <a:fld id="{FD2F8E8F-2EAD-D443-9229-5928F3815F0B}" type="datetimeFigureOut">
               <a:rPr lang="en-US" smtClean="0"/>
-              <a:t>5/14/20</a:t>
+              <a:t>5/21/20</a:t>
             </a:fld>
             <a:endParaRPr lang="en-US"/>
           </a:p>
@@ -2096,7 +2102,7 @@
           <a:p>
             <a:fld id="{FD2F8E8F-2EAD-D443-9229-5928F3815F0B}" type="datetimeFigureOut">
               <a:rPr lang="en-US" smtClean="0"/>
-              <a:t>5/14/20</a:t>
+              <a:t>5/21/20</a:t>
             </a:fld>
             <a:endParaRPr lang="en-US"/>
           </a:p>
@@ -2361,7 +2367,7 @@
           <a:p>
             <a:fld id="{FD2F8E8F-2EAD-D443-9229-5928F3815F0B}" type="datetimeFigureOut">
               <a:rPr lang="en-US" smtClean="0"/>
-              <a:t>5/14/20</a:t>
+              <a:t>5/21/20</a:t>
             </a:fld>
             <a:endParaRPr lang="en-US"/>
           </a:p>
@@ -2773,7 +2779,7 @@
           <a:p>
             <a:fld id="{FD2F8E8F-2EAD-D443-9229-5928F3815F0B}" type="datetimeFigureOut">
               <a:rPr lang="en-US" smtClean="0"/>
-              <a:t>5/14/20</a:t>
+              <a:t>5/21/20</a:t>
             </a:fld>
             <a:endParaRPr lang="en-US"/>
           </a:p>
@@ -2914,7 +2920,7 @@
           <a:p>
             <a:fld id="{FD2F8E8F-2EAD-D443-9229-5928F3815F0B}" type="datetimeFigureOut">
               <a:rPr lang="en-US" smtClean="0"/>
-              <a:t>5/14/20</a:t>
+              <a:t>5/21/20</a:t>
             </a:fld>
             <a:endParaRPr lang="en-US"/>
           </a:p>
@@ -3027,7 +3033,7 @@
           <a:p>
             <a:fld id="{FD2F8E8F-2EAD-D443-9229-5928F3815F0B}" type="datetimeFigureOut">
               <a:rPr lang="en-US" smtClean="0"/>
-              <a:t>5/14/20</a:t>
+              <a:t>5/21/20</a:t>
             </a:fld>
             <a:endParaRPr lang="en-US"/>
           </a:p>
@@ -3338,7 +3344,7 @@
           <a:p>
             <a:fld id="{FD2F8E8F-2EAD-D443-9229-5928F3815F0B}" type="datetimeFigureOut">
               <a:rPr lang="en-US" smtClean="0"/>
-              <a:t>5/14/20</a:t>
+              <a:t>5/21/20</a:t>
             </a:fld>
             <a:endParaRPr lang="en-US"/>
           </a:p>
@@ -3626,7 +3632,7 @@
           <a:p>
             <a:fld id="{FD2F8E8F-2EAD-D443-9229-5928F3815F0B}" type="datetimeFigureOut">
               <a:rPr lang="en-US" smtClean="0"/>
-              <a:t>5/14/20</a:t>
+              <a:t>5/21/20</a:t>
             </a:fld>
             <a:endParaRPr lang="en-US"/>
           </a:p>
@@ -3867,7 +3873,7 @@
           <a:p>
             <a:fld id="{FD2F8E8F-2EAD-D443-9229-5928F3815F0B}" type="datetimeFigureOut">
               <a:rPr lang="en-US" smtClean="0"/>
-              <a:t>5/14/20</a:t>
+              <a:t>5/21/20</a:t>
             </a:fld>
             <a:endParaRPr lang="en-US"/>
           </a:p>
@@ -4451,6 +4457,163 @@
       </p:sp>
       <p:pic>
         <p:nvPicPr>
+          <p:cNvPr id="3" name="Picture 2"/>
+          <p:cNvPicPr>
+            <a:picLocks noChangeAspect="1"/>
+          </p:cNvPicPr>
+          <p:nvPr/>
+        </p:nvPicPr>
+        <p:blipFill>
+          <a:blip r:embed="rId2"/>
+          <a:stretch>
+            <a:fillRect/>
+          </a:stretch>
+        </p:blipFill>
+        <p:spPr>
+          <a:xfrm>
+            <a:off x="3124200" y="975834"/>
+            <a:ext cx="5943600" cy="5882167"/>
+          </a:xfrm>
+          <a:prstGeom prst="rect">
+            <a:avLst/>
+          </a:prstGeom>
+        </p:spPr>
+      </p:pic>
+      <p:pic>
+        <p:nvPicPr>
+          <p:cNvPr id="2" name="Picture 1"/>
+          <p:cNvPicPr>
+            <a:picLocks noChangeAspect="1"/>
+          </p:cNvPicPr>
+          <p:nvPr/>
+        </p:nvPicPr>
+        <p:blipFill rotWithShape="1">
+          <a:blip r:embed="rId3"/>
+          <a:srcRect l="18764" r="48409"/>
+          <a:stretch/>
+        </p:blipFill>
+        <p:spPr>
+          <a:xfrm>
+            <a:off x="9112578" y="1490663"/>
+            <a:ext cx="1555422" cy="4852506"/>
+          </a:xfrm>
+          <a:prstGeom prst="rect">
+            <a:avLst/>
+          </a:prstGeom>
+        </p:spPr>
+      </p:pic>
+      <p:cxnSp>
+        <p:nvCxnSpPr>
+          <p:cNvPr id="5" name="Straight Connector 4"/>
+          <p:cNvCxnSpPr>
+            <a:cxnSpLocks/>
+          </p:cNvCxnSpPr>
+          <p:nvPr/>
+        </p:nvCxnSpPr>
+        <p:spPr>
+          <a:xfrm flipH="1">
+            <a:off x="8971178" y="660380"/>
+            <a:ext cx="96623" cy="6197620"/>
+          </a:xfrm>
+          <a:prstGeom prst="line">
+            <a:avLst/>
+          </a:prstGeom>
+          <a:ln w="28575">
+            <a:solidFill>
+              <a:schemeClr val="tx1"/>
+            </a:solidFill>
+          </a:ln>
+          <a:effectLst/>
+        </p:spPr>
+        <p:style>
+          <a:lnRef idx="2">
+            <a:schemeClr val="accent1"/>
+          </a:lnRef>
+          <a:fillRef idx="0">
+            <a:schemeClr val="accent1"/>
+          </a:fillRef>
+          <a:effectRef idx="1">
+            <a:schemeClr val="accent1"/>
+          </a:effectRef>
+          <a:fontRef idx="minor">
+            <a:schemeClr val="tx1"/>
+          </a:fontRef>
+        </p:style>
+      </p:cxnSp>
+    </p:spTree>
+    <p:extLst>
+      <p:ext uri="{BB962C8B-B14F-4D97-AF65-F5344CB8AC3E}">
+        <p14:creationId xmlns:p14="http://schemas.microsoft.com/office/powerpoint/2010/main" val="2839835115"/>
+      </p:ext>
+    </p:extLst>
+  </p:cSld>
+  <p:clrMapOvr>
+    <a:masterClrMapping/>
+  </p:clrMapOvr>
+</p:sld>
+</file>
+
+<file path=ppt/slides/slide11.xml><?xml version="1.0" encoding="utf-8"?>
+<p:sld xmlns:a="http://schemas.openxmlformats.org/drawingml/2006/main" xmlns:r="http://schemas.openxmlformats.org/officeDocument/2006/relationships" xmlns:p="http://schemas.openxmlformats.org/presentationml/2006/main">
+  <p:cSld>
+    <p:spTree>
+      <p:nvGrpSpPr>
+        <p:cNvPr id="1" name=""/>
+        <p:cNvGrpSpPr/>
+        <p:nvPr/>
+      </p:nvGrpSpPr>
+      <p:grpSpPr>
+        <a:xfrm>
+          <a:off x="0" y="0"/>
+          <a:ext cx="0" cy="0"/>
+          <a:chOff x="0" y="0"/>
+          <a:chExt cx="0" cy="0"/>
+        </a:xfrm>
+      </p:grpSpPr>
+      <p:sp>
+        <p:nvSpPr>
+          <p:cNvPr id="6" name="Rectangle 5"/>
+          <p:cNvSpPr/>
+          <p:nvPr/>
+        </p:nvSpPr>
+        <p:spPr>
+          <a:xfrm>
+            <a:off x="1889759" y="137160"/>
+            <a:ext cx="6654386" cy="523220"/>
+          </a:xfrm>
+          <a:prstGeom prst="rect">
+            <a:avLst/>
+          </a:prstGeom>
+        </p:spPr>
+        <p:txBody>
+          <a:bodyPr wrap="none">
+            <a:spAutoFit/>
+          </a:bodyPr>
+          <a:lstStyle/>
+          <a:p>
+            <a:pPr>
+              <a:defRPr/>
+            </a:pPr>
+            <a:r>
+              <a:rPr lang="en-US" sz="2800" kern="0" dirty="0">
+                <a:solidFill>
+                  <a:schemeClr val="bg1"/>
+                </a:solidFill>
+                <a:latin typeface="Century Gothic" panose="020B0502020202020204" pitchFamily="34" charset="0"/>
+              </a:rPr>
+              <a:t>Linear Regression – Gradient Descent</a:t>
+            </a:r>
+            <a:endParaRPr lang="en-US" sz="2800" b="1" kern="0" dirty="0">
+              <a:solidFill>
+                <a:schemeClr val="bg1"/>
+              </a:solidFill>
+              <a:latin typeface="Century Gothic" pitchFamily="34" charset="0"/>
+            </a:endParaRPr>
+          </a:p>
+        </p:txBody>
+      </p:sp>
+      <p:pic>
+        <p:nvPicPr>
           <p:cNvPr id="2" name="Picture 1"/>
           <p:cNvPicPr>
             <a:picLocks noChangeAspect="1"/>
@@ -4547,7 +4710,7 @@
 </p:sld>
 </file>
 
-<file path=ppt/slides/slide11.xml><?xml version="1.0" encoding="utf-8"?>
+<file path=ppt/slides/slide12.xml><?xml version="1.0" encoding="utf-8"?>
 <p:sld xmlns:a="http://schemas.openxmlformats.org/drawingml/2006/main" xmlns:r="http://schemas.openxmlformats.org/officeDocument/2006/relationships" xmlns:p="http://schemas.openxmlformats.org/presentationml/2006/main">
   <p:cSld>
     <p:spTree>
@@ -4704,7 +4867,7 @@
 </p:sld>
 </file>
 
-<file path=ppt/slides/slide12.xml><?xml version="1.0" encoding="utf-8"?>
+<file path=ppt/slides/slide13.xml><?xml version="1.0" encoding="utf-8"?>
 <p:sld xmlns:a="http://schemas.openxmlformats.org/drawingml/2006/main" xmlns:r="http://schemas.openxmlformats.org/officeDocument/2006/relationships" xmlns:p="http://schemas.openxmlformats.org/presentationml/2006/main">
   <p:cSld>
     <p:spTree>
@@ -4861,7 +5024,7 @@
 </p:sld>
 </file>
 
-<file path=ppt/slides/slide13.xml><?xml version="1.0" encoding="utf-8"?>
+<file path=ppt/slides/slide14.xml><?xml version="1.0" encoding="utf-8"?>
 <p:sld xmlns:a="http://schemas.openxmlformats.org/drawingml/2006/main" xmlns:r="http://schemas.openxmlformats.org/officeDocument/2006/relationships" xmlns:p="http://schemas.openxmlformats.org/presentationml/2006/main">
   <p:cSld>
     <p:spTree>
@@ -5350,7 +5513,7 @@
                 <a:buFont typeface="Times New Roman" pitchFamily="18" charset="0"/>
                 <a:buNone/>
               </a:pPr>
-              <a:t>13</a:t>
+              <a:t>14</a:t>
             </a:fld>
             <a:endParaRPr lang="en-GB" altLang="en-US" sz="1200" b="1">
               <a:solidFill>
@@ -5486,7 +5649,7 @@
 </p:sld>
 </file>
 
-<file path=ppt/slides/slide14.xml><?xml version="1.0" encoding="utf-8"?>
+<file path=ppt/slides/slide15.xml><?xml version="1.0" encoding="utf-8"?>
 <p:sld xmlns:a="http://schemas.openxmlformats.org/drawingml/2006/main" xmlns:r="http://schemas.openxmlformats.org/officeDocument/2006/relationships" xmlns:p="http://schemas.openxmlformats.org/presentationml/2006/main">
   <p:cSld>
     <p:spTree>
@@ -7257,7 +7420,7 @@
 </p:sld>
 </file>
 
-<file path=ppt/slides/slide15.xml><?xml version="1.0" encoding="utf-8"?>
+<file path=ppt/slides/slide16.xml><?xml version="1.0" encoding="utf-8"?>
 <p:sld xmlns:a="http://schemas.openxmlformats.org/drawingml/2006/main" xmlns:r="http://schemas.openxmlformats.org/officeDocument/2006/relationships" xmlns:p="http://schemas.openxmlformats.org/presentationml/2006/main">
   <p:cSld>
     <p:spTree>
@@ -9556,7 +9719,7 @@
 </p:sld>
 </file>
 
-<file path=ppt/slides/slide16.xml><?xml version="1.0" encoding="utf-8"?>
+<file path=ppt/slides/slide17.xml><?xml version="1.0" encoding="utf-8"?>
 <p:sld xmlns:a="http://schemas.openxmlformats.org/drawingml/2006/main" xmlns:r="http://schemas.openxmlformats.org/officeDocument/2006/relationships" xmlns:p="http://schemas.openxmlformats.org/presentationml/2006/main">
   <p:cSld>
     <p:spTree>
@@ -10968,7 +11131,7 @@
 </p:sld>
 </file>
 
-<file path=ppt/slides/slide17.xml><?xml version="1.0" encoding="utf-8"?>
+<file path=ppt/slides/slide18.xml><?xml version="1.0" encoding="utf-8"?>
 <p:sld xmlns:a="http://schemas.openxmlformats.org/drawingml/2006/main" xmlns:r="http://schemas.openxmlformats.org/officeDocument/2006/relationships" xmlns:p="http://schemas.openxmlformats.org/presentationml/2006/main">
   <p:cSld>
     <p:spTree>
@@ -11954,7 +12117,7 @@
 </p:sld>
 </file>
 
-<file path=ppt/slides/slide18.xml><?xml version="1.0" encoding="utf-8"?>
+<file path=ppt/slides/slide19.xml><?xml version="1.0" encoding="utf-8"?>
 <p:sld xmlns:a="http://schemas.openxmlformats.org/drawingml/2006/main" xmlns:r="http://schemas.openxmlformats.org/officeDocument/2006/relationships" xmlns:p="http://schemas.openxmlformats.org/presentationml/2006/main">
   <p:cSld>
     <p:spTree>
@@ -12940,7 +13103,265 @@
 </p:sld>
 </file>
 
-<file path=ppt/slides/slide19.xml><?xml version="1.0" encoding="utf-8"?>
+<file path=ppt/slides/slide2.xml><?xml version="1.0" encoding="utf-8"?>
+<p:sld xmlns:a="http://schemas.openxmlformats.org/drawingml/2006/main" xmlns:r="http://schemas.openxmlformats.org/officeDocument/2006/relationships" xmlns:p="http://schemas.openxmlformats.org/presentationml/2006/main">
+  <p:cSld>
+    <p:spTree>
+      <p:nvGrpSpPr>
+        <p:cNvPr id="1" name=""/>
+        <p:cNvGrpSpPr/>
+        <p:nvPr/>
+      </p:nvGrpSpPr>
+      <p:grpSpPr>
+        <a:xfrm>
+          <a:off x="0" y="0"/>
+          <a:ext cx="0" cy="0"/>
+          <a:chOff x="0" y="0"/>
+          <a:chExt cx="0" cy="0"/>
+        </a:xfrm>
+      </p:grpSpPr>
+      <p:sp>
+        <p:nvSpPr>
+          <p:cNvPr id="2" name="Title 1">
+            <a:extLst>
+              <a:ext uri="{FF2B5EF4-FFF2-40B4-BE49-F238E27FC236}">
+                <a16:creationId xmlns:a16="http://schemas.microsoft.com/office/drawing/2014/main" id="{3C0033C2-AACA-7A41-9E9F-B22DA4F829A7}"/>
+              </a:ext>
+            </a:extLst>
+          </p:cNvPr>
+          <p:cNvSpPr>
+            <a:spLocks noGrp="1"/>
+          </p:cNvSpPr>
+          <p:nvPr>
+            <p:ph type="title"/>
+          </p:nvPr>
+        </p:nvSpPr>
+        <p:spPr/>
+        <p:txBody>
+          <a:bodyPr/>
+          <a:lstStyle/>
+          <a:p>
+            <a:r>
+              <a:rPr lang="en-US" dirty="0"/>
+              <a:t>If you are going to follow along live, let’s do these steps first:</a:t>
+            </a:r>
+          </a:p>
+        </p:txBody>
+      </p:sp>
+      <p:sp>
+        <p:nvSpPr>
+          <p:cNvPr id="3" name="Content Placeholder 2">
+            <a:extLst>
+              <a:ext uri="{FF2B5EF4-FFF2-40B4-BE49-F238E27FC236}">
+                <a16:creationId xmlns:a16="http://schemas.microsoft.com/office/drawing/2014/main" id="{E7F7EE75-EA5A-BA48-93AA-2578E689F5C0}"/>
+              </a:ext>
+            </a:extLst>
+          </p:cNvPr>
+          <p:cNvSpPr>
+            <a:spLocks noGrp="1"/>
+          </p:cNvSpPr>
+          <p:nvPr>
+            <p:ph idx="1"/>
+          </p:nvPr>
+        </p:nvSpPr>
+        <p:spPr>
+          <a:xfrm>
+            <a:off x="838200" y="1690688"/>
+            <a:ext cx="10515600" cy="5167311"/>
+          </a:xfrm>
+        </p:spPr>
+        <p:txBody>
+          <a:bodyPr>
+            <a:normAutofit fontScale="77500" lnSpcReduction="20000"/>
+          </a:bodyPr>
+          <a:lstStyle/>
+          <a:p>
+            <a:pPr marL="0" indent="0">
+              <a:buNone/>
+            </a:pPr>
+            <a:r>
+              <a:rPr lang="en-US" dirty="0"/>
+              <a:t>In the terminal, grab updated slides and lecture and install necessary software:</a:t>
+            </a:r>
+          </a:p>
+          <a:p>
+            <a:pPr marL="0" indent="0">
+              <a:buNone/>
+            </a:pPr>
+            <a:r>
+              <a:rPr lang="en-US" dirty="0"/>
+              <a:t>git add .</a:t>
+            </a:r>
+          </a:p>
+          <a:p>
+            <a:pPr marL="0" indent="0">
+              <a:buNone/>
+            </a:pPr>
+            <a:r>
+              <a:rPr lang="en-US" dirty="0"/>
+              <a:t>git commit -m ‘my changes’</a:t>
+            </a:r>
+          </a:p>
+          <a:p>
+            <a:pPr marL="0" indent="0">
+              <a:buNone/>
+            </a:pPr>
+            <a:r>
+              <a:rPr lang="en-US" dirty="0"/>
+              <a:t>git fetch</a:t>
+            </a:r>
+          </a:p>
+          <a:p>
+            <a:pPr marL="0" indent="0">
+              <a:buNone/>
+            </a:pPr>
+            <a:r>
+              <a:rPr lang="en-US" dirty="0"/>
+              <a:t>git checkout lecture/14</a:t>
+            </a:r>
+          </a:p>
+          <a:p>
+            <a:pPr marL="0" indent="0">
+              <a:buNone/>
+            </a:pPr>
+            <a:endParaRPr lang="en-US" dirty="0"/>
+          </a:p>
+          <a:p>
+            <a:pPr marL="0" indent="0">
+              <a:buNone/>
+            </a:pPr>
+            <a:r>
+              <a:rPr lang="en-US" dirty="0" err="1"/>
+              <a:t>conda</a:t>
+            </a:r>
+            <a:r>
+              <a:rPr lang="en-US" dirty="0"/>
+              <a:t> activate itp_2020</a:t>
+            </a:r>
+          </a:p>
+          <a:p>
+            <a:pPr marL="0" indent="0">
+              <a:buNone/>
+            </a:pPr>
+            <a:r>
+              <a:rPr lang="en-US" dirty="0" err="1"/>
+              <a:t>conda</a:t>
+            </a:r>
+            <a:r>
+              <a:rPr lang="en-US" dirty="0"/>
+              <a:t> install –n itp2020 pandas </a:t>
+            </a:r>
+            <a:r>
+              <a:rPr lang="en-US" dirty="0" err="1"/>
+              <a:t>numpy</a:t>
+            </a:r>
+            <a:r>
+              <a:rPr lang="en-US" dirty="0"/>
+              <a:t> </a:t>
+            </a:r>
+            <a:r>
+              <a:rPr lang="en-US" dirty="0" err="1"/>
+              <a:t>scipy</a:t>
+            </a:r>
+            <a:r>
+              <a:rPr lang="en-US" dirty="0"/>
+              <a:t> matplotlib seaborn scikit-learn pip</a:t>
+            </a:r>
+          </a:p>
+          <a:p>
+            <a:pPr marL="0" indent="0">
+              <a:buNone/>
+            </a:pPr>
+            <a:r>
+              <a:rPr lang="en-US" dirty="0"/>
+              <a:t>pip install </a:t>
+            </a:r>
+            <a:r>
+              <a:rPr lang="en-US" dirty="0" err="1"/>
+              <a:t>cptac</a:t>
+            </a:r>
+            <a:endParaRPr lang="en-US" dirty="0"/>
+          </a:p>
+          <a:p>
+            <a:pPr marL="0" indent="0">
+              <a:buNone/>
+            </a:pPr>
+            <a:endParaRPr lang="en-US" dirty="0"/>
+          </a:p>
+          <a:p>
+            <a:pPr marL="0" indent="0">
+              <a:buNone/>
+            </a:pPr>
+            <a:r>
+              <a:rPr lang="en-US" dirty="0"/>
+              <a:t>In the </a:t>
+            </a:r>
+            <a:r>
+              <a:rPr lang="en-US" dirty="0" err="1"/>
+              <a:t>jupyter</a:t>
+            </a:r>
+            <a:r>
+              <a:rPr lang="en-US" dirty="0"/>
+              <a:t> notebook, download the dataset from </a:t>
+            </a:r>
+            <a:r>
+              <a:rPr lang="en-US" dirty="0" err="1"/>
+              <a:t>cptac</a:t>
+            </a:r>
+            <a:r>
+              <a:rPr lang="en-US" dirty="0"/>
+              <a:t>:</a:t>
+            </a:r>
+          </a:p>
+          <a:p>
+            <a:pPr marL="0" indent="0">
+              <a:buNone/>
+            </a:pPr>
+            <a:r>
+              <a:rPr lang="en-US" dirty="0"/>
+              <a:t>import </a:t>
+            </a:r>
+            <a:r>
+              <a:rPr lang="en-US" dirty="0" err="1"/>
+              <a:t>cptac</a:t>
+            </a:r>
+            <a:endParaRPr lang="en-US" dirty="0"/>
+          </a:p>
+          <a:p>
+            <a:pPr marL="0" indent="0">
+              <a:buNone/>
+            </a:pPr>
+            <a:r>
+              <a:rPr lang="en-US" dirty="0" err="1"/>
+              <a:t>cptac.download</a:t>
+            </a:r>
+            <a:r>
+              <a:rPr lang="en-US" dirty="0"/>
+              <a:t>(dataset="endometrial")</a:t>
+            </a:r>
+          </a:p>
+          <a:p>
+            <a:pPr marL="0" indent="0">
+              <a:buNone/>
+            </a:pPr>
+            <a:endParaRPr lang="en-US" dirty="0"/>
+          </a:p>
+        </p:txBody>
+      </p:sp>
+    </p:spTree>
+    <p:extLst>
+      <p:ext uri="{BB962C8B-B14F-4D97-AF65-F5344CB8AC3E}">
+        <p14:creationId xmlns:p14="http://schemas.microsoft.com/office/powerpoint/2010/main" val="3194383463"/>
+      </p:ext>
+    </p:extLst>
+  </p:cSld>
+  <p:clrMapOvr>
+    <a:masterClrMapping/>
+  </p:clrMapOvr>
+</p:sld>
+</file>
+
+<file path=ppt/slides/slide20.xml><?xml version="1.0" encoding="utf-8"?>
 <p:sld xmlns:a="http://schemas.openxmlformats.org/drawingml/2006/main" xmlns:r="http://schemas.openxmlformats.org/officeDocument/2006/relationships" xmlns:p="http://schemas.openxmlformats.org/presentationml/2006/main">
   <p:cSld>
     <p:spTree>
@@ -13152,7 +13573,7 @@
 </p:sld>
 </file>
 
-<file path=ppt/slides/slide2.xml><?xml version="1.0" encoding="utf-8"?>
+<file path=ppt/slides/slide21.xml><?xml version="1.0" encoding="utf-8"?>
 <p:sld xmlns:a="http://schemas.openxmlformats.org/drawingml/2006/main" xmlns:r="http://schemas.openxmlformats.org/officeDocument/2006/relationships" xmlns:p="http://schemas.openxmlformats.org/presentationml/2006/main">
   <p:cSld>
     <p:spTree>
@@ -13171,19 +13592,151 @@
       </p:grpSpPr>
       <p:sp>
         <p:nvSpPr>
-          <p:cNvPr id="6" name="Rectangle 5"/>
-          <p:cNvSpPr/>
+          <p:cNvPr id="2" name="Title 1">
+            <a:extLst>
+              <a:ext uri="{FF2B5EF4-FFF2-40B4-BE49-F238E27FC236}">
+                <a16:creationId xmlns:a16="http://schemas.microsoft.com/office/drawing/2014/main" id="{60E80024-A09C-264D-BE3E-4A19326FE4DC}"/>
+              </a:ext>
+            </a:extLst>
+          </p:cNvPr>
+          <p:cNvSpPr>
+            <a:spLocks noGrp="1"/>
+          </p:cNvSpPr>
+          <p:nvPr>
+            <p:ph type="title"/>
+          </p:nvPr>
+        </p:nvSpPr>
+        <p:spPr/>
+        <p:txBody>
+          <a:bodyPr/>
+          <a:lstStyle/>
+          <a:p>
+            <a:r>
+              <a:rPr lang="en-US" dirty="0"/>
+              <a:t>Bias vs Variance Trade-off</a:t>
+            </a:r>
+          </a:p>
+        </p:txBody>
+      </p:sp>
+      <p:sp>
+        <p:nvSpPr>
+          <p:cNvPr id="4" name="TextBox 3">
+            <a:extLst>
+              <a:ext uri="{FF2B5EF4-FFF2-40B4-BE49-F238E27FC236}">
+                <a16:creationId xmlns:a16="http://schemas.microsoft.com/office/drawing/2014/main" id="{94879305-C696-1848-9153-9B1520FF4B79}"/>
+              </a:ext>
+            </a:extLst>
+          </p:cNvPr>
+          <p:cNvSpPr txBox="1"/>
           <p:nvPr/>
         </p:nvSpPr>
         <p:spPr>
           <a:xfrm>
-            <a:off x="1889760" y="137160"/>
-            <a:ext cx="4709944" cy="523220"/>
+            <a:off x="5976388" y="6396335"/>
+            <a:ext cx="6215612" cy="461665"/>
+          </a:xfrm>
+          <a:prstGeom prst="rect">
+            <a:avLst/>
+          </a:prstGeom>
+          <a:noFill/>
+        </p:spPr>
+        <p:txBody>
+          <a:bodyPr wrap="none" rtlCol="0">
+            <a:spAutoFit/>
+          </a:bodyPr>
+          <a:lstStyle/>
+          <a:p>
+            <a:r>
+              <a:rPr lang="en-US" sz="1200" dirty="0"/>
+              <a:t>Seema Singh</a:t>
+            </a:r>
+          </a:p>
+          <a:p>
+            <a:r>
+              <a:rPr lang="en-US" sz="1200" dirty="0">
+                <a:hlinkClick r:id="rId2"/>
+              </a:rPr>
+              <a:t>https://towardsdatascience.com/understanding-the-bias-variance-tradeoff-165e6942b229</a:t>
+            </a:r>
+            <a:endParaRPr lang="en-US" sz="1200" dirty="0"/>
+          </a:p>
+        </p:txBody>
+      </p:sp>
+      <p:pic>
+        <p:nvPicPr>
+          <p:cNvPr id="6" name="Picture 5">
+            <a:extLst>
+              <a:ext uri="{FF2B5EF4-FFF2-40B4-BE49-F238E27FC236}">
+                <a16:creationId xmlns:a16="http://schemas.microsoft.com/office/drawing/2014/main" id="{D9D6BB09-DEA4-9B48-A372-AF0A796E5DD7}"/>
+              </a:ext>
+            </a:extLst>
+          </p:cNvPr>
+          <p:cNvPicPr>
+            <a:picLocks noChangeAspect="1"/>
+          </p:cNvPicPr>
+          <p:nvPr/>
+        </p:nvPicPr>
+        <p:blipFill>
+          <a:blip r:embed="rId3"/>
+          <a:stretch>
+            <a:fillRect/>
+          </a:stretch>
+        </p:blipFill>
+        <p:spPr>
+          <a:xfrm>
+            <a:off x="1138443" y="1872932"/>
+            <a:ext cx="10541493" cy="4089591"/>
           </a:xfrm>
           <a:prstGeom prst="rect">
             <a:avLst/>
           </a:prstGeom>
         </p:spPr>
+      </p:pic>
+    </p:spTree>
+    <p:extLst>
+      <p:ext uri="{BB962C8B-B14F-4D97-AF65-F5344CB8AC3E}">
+        <p14:creationId xmlns:p14="http://schemas.microsoft.com/office/powerpoint/2010/main" val="1886769453"/>
+      </p:ext>
+    </p:extLst>
+  </p:cSld>
+  <p:clrMapOvr>
+    <a:masterClrMapping/>
+  </p:clrMapOvr>
+</p:sld>
+</file>
+
+<file path=ppt/slides/slide22.xml><?xml version="1.0" encoding="utf-8"?>
+<p:sld xmlns:a="http://schemas.openxmlformats.org/drawingml/2006/main" xmlns:r="http://schemas.openxmlformats.org/officeDocument/2006/relationships" xmlns:p="http://schemas.openxmlformats.org/presentationml/2006/main">
+  <p:cSld>
+    <p:spTree>
+      <p:nvGrpSpPr>
+        <p:cNvPr id="1" name=""/>
+        <p:cNvGrpSpPr/>
+        <p:nvPr/>
+      </p:nvGrpSpPr>
+      <p:grpSpPr>
+        <a:xfrm>
+          <a:off x="0" y="0"/>
+          <a:ext cx="0" cy="0"/>
+          <a:chOff x="0" y="0"/>
+          <a:chExt cx="0" cy="0"/>
+        </a:xfrm>
+      </p:grpSpPr>
+      <p:sp>
+        <p:nvSpPr>
+          <p:cNvPr id="6" name="Rectangle 5"/>
+          <p:cNvSpPr/>
+          <p:nvPr/>
+        </p:nvSpPr>
+        <p:spPr>
+          <a:xfrm>
+            <a:off x="1889759" y="137160"/>
+            <a:ext cx="7973658" cy="523220"/>
+          </a:xfrm>
+          <a:prstGeom prst="rect">
+            <a:avLst/>
+          </a:prstGeom>
+        </p:spPr>
         <p:txBody>
           <a:bodyPr wrap="none">
             <a:spAutoFit/>
@@ -13194,14 +13747,29 @@
               <a:defRPr/>
             </a:pPr>
             <a:r>
-              <a:rPr lang="en-US" sz="2800" b="1" kern="0" dirty="0">
+              <a:rPr lang="en-US" sz="2800" kern="0" dirty="0">
                 <a:solidFill>
                   <a:schemeClr val="bg1"/>
                 </a:solidFill>
                 <a:latin typeface="Century Gothic" panose="020B0502020202020204" pitchFamily="34" charset="0"/>
               </a:rPr>
-              <a:t>Kinds of machine learning</a:t>
-            </a:r>
+              <a:t>Model Capacity: Overfitting and </a:t>
+            </a:r>
+            <a:r>
+              <a:rPr lang="en-US" sz="2800" kern="0" dirty="0" err="1">
+                <a:solidFill>
+                  <a:schemeClr val="bg1"/>
+                </a:solidFill>
+                <a:latin typeface="Century Gothic" panose="020B0502020202020204" pitchFamily="34" charset="0"/>
+              </a:rPr>
+              <a:t>Underfitting</a:t>
+            </a:r>
+            <a:endParaRPr lang="en-US" sz="2800" b="1" kern="0" dirty="0">
+              <a:solidFill>
+                <a:schemeClr val="bg1"/>
+              </a:solidFill>
+              <a:latin typeface="Century Gothic" pitchFamily="34" charset="0"/>
+            </a:endParaRPr>
           </a:p>
         </p:txBody>
       </p:sp>
@@ -13612,7 +14180,7 @@
                 <a:buFont typeface="Times New Roman" pitchFamily="18" charset="0"/>
                 <a:buNone/>
               </a:pPr>
-              <a:t>2</a:t>
+              <a:t>22</a:t>
             </a:fld>
             <a:endParaRPr lang="en-GB" altLang="en-US" sz="1200" b="1">
               <a:solidFill>
@@ -13623,262 +14191,46 @@
           </a:p>
         </p:txBody>
       </p:sp>
-      <p:sp>
-        <p:nvSpPr>
-          <p:cNvPr id="2" name="Rectangle 1"/>
-          <p:cNvSpPr/>
-          <p:nvPr/>
-        </p:nvSpPr>
-        <p:spPr>
-          <a:xfrm>
-            <a:off x="1889760" y="1516064"/>
-            <a:ext cx="7708306" cy="3901837"/>
-          </a:xfrm>
-          <a:prstGeom prst="rect">
-            <a:avLst/>
-          </a:prstGeom>
-        </p:spPr>
-        <p:txBody>
-          <a:bodyPr wrap="square">
-            <a:spAutoFit/>
-          </a:bodyPr>
-          <a:lstStyle/>
-          <a:p>
-            <a:pPr>
-              <a:lnSpc>
-                <a:spcPct val="150000"/>
-              </a:lnSpc>
-            </a:pPr>
-            <a:r>
-              <a:rPr lang="en-US" sz="2400" dirty="0">
-                <a:latin typeface="Arial" panose="020B0604020202020204" pitchFamily="34" charset="0"/>
-                <a:cs typeface="Arial" panose="020B0604020202020204" pitchFamily="34" charset="0"/>
-              </a:rPr>
-              <a:t>Supervised learning</a:t>
-            </a:r>
-          </a:p>
-          <a:p>
-            <a:pPr marL="342900" indent="-342900">
-              <a:lnSpc>
-                <a:spcPct val="150000"/>
-              </a:lnSpc>
-              <a:buSzPct val="150000"/>
-              <a:buFont typeface="Arial" panose="020B0604020202020204" pitchFamily="34" charset="0"/>
-              <a:buChar char="•"/>
-            </a:pPr>
-            <a:r>
-              <a:rPr lang="en-US" sz="2400" b="1" dirty="0">
-                <a:latin typeface="Arial" panose="020B0604020202020204" pitchFamily="34" charset="0"/>
-                <a:cs typeface="Arial" panose="020B0604020202020204" pitchFamily="34" charset="0"/>
-              </a:rPr>
-              <a:t>Classification (categories/qualitative/discrete)</a:t>
-            </a:r>
-          </a:p>
-          <a:p>
-            <a:pPr marL="342900" indent="-342900">
-              <a:lnSpc>
-                <a:spcPct val="150000"/>
-              </a:lnSpc>
-              <a:buSzPct val="150000"/>
-              <a:buFont typeface="Arial" panose="020B0604020202020204" pitchFamily="34" charset="0"/>
-              <a:buChar char="•"/>
-            </a:pPr>
-            <a:r>
-              <a:rPr lang="en-US" sz="2400" dirty="0">
-                <a:latin typeface="Arial" panose="020B0604020202020204" pitchFamily="34" charset="0"/>
-                <a:cs typeface="Arial" panose="020B0604020202020204" pitchFamily="34" charset="0"/>
-              </a:rPr>
-              <a:t>Regression (continuous/quantitative/floats)</a:t>
-            </a:r>
-          </a:p>
-          <a:p>
-            <a:pPr>
-              <a:lnSpc>
-                <a:spcPct val="150000"/>
-              </a:lnSpc>
-              <a:buSzPct val="150000"/>
-            </a:pPr>
-            <a:endParaRPr lang="en-US" sz="2400" dirty="0">
-              <a:latin typeface="Arial" panose="020B0604020202020204" pitchFamily="34" charset="0"/>
-              <a:cs typeface="Arial" panose="020B0604020202020204" pitchFamily="34" charset="0"/>
-            </a:endParaRPr>
-          </a:p>
-          <a:p>
-            <a:pPr>
-              <a:lnSpc>
-                <a:spcPct val="150000"/>
-              </a:lnSpc>
-            </a:pPr>
-            <a:r>
-              <a:rPr lang="en-US" sz="2400" dirty="0">
-                <a:latin typeface="Arial" panose="020B0604020202020204" pitchFamily="34" charset="0"/>
-                <a:cs typeface="Arial" panose="020B0604020202020204" pitchFamily="34" charset="0"/>
-              </a:rPr>
-              <a:t>Unsupervised learning: Finding the structure in data.</a:t>
-            </a:r>
-          </a:p>
-          <a:p>
-            <a:pPr marL="342900" indent="-342900">
-              <a:lnSpc>
-                <a:spcPct val="150000"/>
-              </a:lnSpc>
-              <a:buSzPct val="150000"/>
-              <a:buFont typeface="Arial" panose="020B0604020202020204" pitchFamily="34" charset="0"/>
-              <a:buChar char="•"/>
-            </a:pPr>
-            <a:r>
-              <a:rPr lang="en-US" sz="2400" dirty="0">
-                <a:latin typeface="Arial" panose="020B0604020202020204" pitchFamily="34" charset="0"/>
-                <a:cs typeface="Arial" panose="020B0604020202020204" pitchFamily="34" charset="0"/>
-              </a:rPr>
-              <a:t>Clustering</a:t>
-            </a:r>
-          </a:p>
-          <a:p>
-            <a:pPr marL="342900" indent="-342900">
-              <a:lnSpc>
-                <a:spcPct val="150000"/>
-              </a:lnSpc>
-              <a:buSzPct val="150000"/>
-              <a:buFont typeface="Arial" panose="020B0604020202020204" pitchFamily="34" charset="0"/>
-              <a:buChar char="•"/>
-            </a:pPr>
-            <a:r>
-              <a:rPr lang="en-US" sz="2400" dirty="0">
-                <a:latin typeface="Arial" panose="020B0604020202020204" pitchFamily="34" charset="0"/>
-                <a:cs typeface="Arial" panose="020B0604020202020204" pitchFamily="34" charset="0"/>
-              </a:rPr>
-              <a:t>Dimension reduction</a:t>
-            </a:r>
-          </a:p>
-        </p:txBody>
-      </p:sp>
-    </p:spTree>
-    <p:extLst>
-      <p:ext uri="{BB962C8B-B14F-4D97-AF65-F5344CB8AC3E}">
-        <p14:creationId xmlns:p14="http://schemas.microsoft.com/office/powerpoint/2010/main" val="3918584549"/>
-      </p:ext>
-    </p:extLst>
-  </p:cSld>
-  <p:clrMapOvr>
-    <a:masterClrMapping/>
-  </p:clrMapOvr>
-</p:sld>
-</file>
-
-<file path=ppt/slides/slide20.xml><?xml version="1.0" encoding="utf-8"?>
-<p:sld xmlns:a="http://schemas.openxmlformats.org/drawingml/2006/main" xmlns:r="http://schemas.openxmlformats.org/officeDocument/2006/relationships" xmlns:p="http://schemas.openxmlformats.org/presentationml/2006/main">
-  <p:cSld>
-    <p:spTree>
-      <p:nvGrpSpPr>
-        <p:cNvPr id="1" name=""/>
-        <p:cNvGrpSpPr/>
-        <p:nvPr/>
-      </p:nvGrpSpPr>
-      <p:grpSpPr>
-        <a:xfrm>
-          <a:off x="0" y="0"/>
-          <a:ext cx="0" cy="0"/>
-          <a:chOff x="0" y="0"/>
-          <a:chExt cx="0" cy="0"/>
-        </a:xfrm>
-      </p:grpSpPr>
-      <p:sp>
-        <p:nvSpPr>
-          <p:cNvPr id="2" name="Title 1">
-            <a:extLst>
-              <a:ext uri="{FF2B5EF4-FFF2-40B4-BE49-F238E27FC236}">
-                <a16:creationId xmlns:a16="http://schemas.microsoft.com/office/drawing/2014/main" id="{60E80024-A09C-264D-BE3E-4A19326FE4DC}"/>
-              </a:ext>
-            </a:extLst>
-          </p:cNvPr>
-          <p:cNvSpPr>
-            <a:spLocks noGrp="1"/>
-          </p:cNvSpPr>
-          <p:nvPr>
-            <p:ph type="title"/>
-          </p:nvPr>
-        </p:nvSpPr>
-        <p:spPr/>
-        <p:txBody>
-          <a:bodyPr/>
-          <a:lstStyle/>
-          <a:p>
-            <a:r>
-              <a:rPr lang="en-US" dirty="0"/>
-              <a:t>Bias vs Variance Trade-off</a:t>
-            </a:r>
-          </a:p>
-        </p:txBody>
-      </p:sp>
-      <p:sp>
-        <p:nvSpPr>
-          <p:cNvPr id="4" name="TextBox 3">
-            <a:extLst>
-              <a:ext uri="{FF2B5EF4-FFF2-40B4-BE49-F238E27FC236}">
-                <a16:creationId xmlns:a16="http://schemas.microsoft.com/office/drawing/2014/main" id="{94879305-C696-1848-9153-9B1520FF4B79}"/>
-              </a:ext>
-            </a:extLst>
-          </p:cNvPr>
-          <p:cNvSpPr txBox="1"/>
-          <p:nvPr/>
-        </p:nvSpPr>
-        <p:spPr>
-          <a:xfrm>
-            <a:off x="5976388" y="6396335"/>
-            <a:ext cx="6215612" cy="461665"/>
-          </a:xfrm>
-          <a:prstGeom prst="rect">
-            <a:avLst/>
-          </a:prstGeom>
-          <a:noFill/>
-        </p:spPr>
-        <p:txBody>
-          <a:bodyPr wrap="none" rtlCol="0">
-            <a:spAutoFit/>
-          </a:bodyPr>
-          <a:lstStyle/>
-          <a:p>
-            <a:r>
-              <a:rPr lang="en-US" sz="1200" dirty="0"/>
-              <a:t>Seema Singh</a:t>
-            </a:r>
-          </a:p>
-          <a:p>
-            <a:r>
-              <a:rPr lang="en-US" sz="1200" dirty="0">
-                <a:hlinkClick r:id="rId2"/>
-              </a:rPr>
-              <a:t>https://towardsdatascience.com/understanding-the-bias-variance-tradeoff-165e6942b229</a:t>
-            </a:r>
-            <a:endParaRPr lang="en-US" sz="1200" dirty="0"/>
-          </a:p>
-        </p:txBody>
-      </p:sp>
       <p:pic>
         <p:nvPicPr>
-          <p:cNvPr id="6" name="Picture 5">
-            <a:extLst>
-              <a:ext uri="{FF2B5EF4-FFF2-40B4-BE49-F238E27FC236}">
-                <a16:creationId xmlns:a16="http://schemas.microsoft.com/office/drawing/2014/main" id="{D9D6BB09-DEA4-9B48-A372-AF0A796E5DD7}"/>
-              </a:ext>
-            </a:extLst>
-          </p:cNvPr>
+          <p:cNvPr id="5" name="Picture 4"/>
           <p:cNvPicPr>
             <a:picLocks noChangeAspect="1"/>
           </p:cNvPicPr>
           <p:nvPr/>
         </p:nvPicPr>
-        <p:blipFill>
-          <a:blip r:embed="rId3"/>
-          <a:stretch>
-            <a:fillRect/>
-          </a:stretch>
+        <p:blipFill rotWithShape="1">
+          <a:blip r:embed="rId2"/>
+          <a:srcRect l="19622" t="22866" r="1215" b="33099"/>
+          <a:stretch/>
         </p:blipFill>
         <p:spPr>
           <a:xfrm>
-            <a:off x="1138443" y="1872932"/>
-            <a:ext cx="10541493" cy="4089591"/>
+            <a:off x="4043680" y="959876"/>
+            <a:ext cx="4972980" cy="2818615"/>
+          </a:xfrm>
+          <a:prstGeom prst="rect">
+            <a:avLst/>
+          </a:prstGeom>
+        </p:spPr>
+      </p:pic>
+      <p:pic>
+        <p:nvPicPr>
+          <p:cNvPr id="2" name="Picture 1"/>
+          <p:cNvPicPr>
+            <a:picLocks noChangeAspect="1"/>
+          </p:cNvPicPr>
+          <p:nvPr/>
+        </p:nvPicPr>
+        <p:blipFill rotWithShape="1">
+          <a:blip r:embed="rId3"/>
+          <a:srcRect l="28894" t="6307" r="16934" b="39405"/>
+          <a:stretch/>
+        </p:blipFill>
+        <p:spPr>
+          <a:xfrm>
+            <a:off x="4631728" y="3383281"/>
+            <a:ext cx="3403078" cy="3474720"/>
           </a:xfrm>
           <a:prstGeom prst="rect">
             <a:avLst/>
@@ -13888,17 +14240,92 @@
     </p:spTree>
     <p:extLst>
       <p:ext uri="{BB962C8B-B14F-4D97-AF65-F5344CB8AC3E}">
-        <p14:creationId xmlns:p14="http://schemas.microsoft.com/office/powerpoint/2010/main" val="1886769453"/>
+        <p14:creationId xmlns:p14="http://schemas.microsoft.com/office/powerpoint/2010/main" val="1550371108"/>
       </p:ext>
     </p:extLst>
   </p:cSld>
   <p:clrMapOvr>
     <a:masterClrMapping/>
   </p:clrMapOvr>
+  <p:timing>
+    <p:tnLst>
+      <p:par>
+        <p:cTn id="1" dur="indefinite" restart="never" nodeType="tmRoot">
+          <p:childTnLst>
+            <p:seq concurrent="1" nextAc="seek">
+              <p:cTn id="2" dur="indefinite" nodeType="mainSeq">
+                <p:childTnLst>
+                  <p:par>
+                    <p:cTn id="3" fill="hold">
+                      <p:stCondLst>
+                        <p:cond delay="indefinite"/>
+                      </p:stCondLst>
+                      <p:childTnLst>
+                        <p:par>
+                          <p:cTn id="4" fill="hold">
+                            <p:stCondLst>
+                              <p:cond delay="0"/>
+                            </p:stCondLst>
+                            <p:childTnLst>
+                              <p:par>
+                                <p:cTn id="5" presetID="1" presetClass="entr" presetSubtype="0" fill="hold" nodeType="clickEffect">
+                                  <p:stCondLst>
+                                    <p:cond delay="0"/>
+                                  </p:stCondLst>
+                                  <p:childTnLst>
+                                    <p:set>
+                                      <p:cBhvr>
+                                        <p:cTn id="6" dur="1" fill="hold">
+                                          <p:stCondLst>
+                                            <p:cond delay="0"/>
+                                          </p:stCondLst>
+                                        </p:cTn>
+                                        <p:tgtEl>
+                                          <p:spTgt spid="2"/>
+                                        </p:tgtEl>
+                                        <p:attrNameLst>
+                                          <p:attrName>style.visibility</p:attrName>
+                                        </p:attrNameLst>
+                                      </p:cBhvr>
+                                      <p:to>
+                                        <p:strVal val="visible"/>
+                                      </p:to>
+                                    </p:set>
+                                  </p:childTnLst>
+                                </p:cTn>
+                              </p:par>
+                            </p:childTnLst>
+                          </p:cTn>
+                        </p:par>
+                      </p:childTnLst>
+                    </p:cTn>
+                  </p:par>
+                </p:childTnLst>
+              </p:cTn>
+              <p:prevCondLst>
+                <p:cond evt="onPrev" delay="0">
+                  <p:tgtEl>
+                    <p:sldTgt/>
+                  </p:tgtEl>
+                </p:cond>
+              </p:prevCondLst>
+              <p:nextCondLst>
+                <p:cond evt="onNext" delay="0">
+                  <p:tgtEl>
+                    <p:sldTgt/>
+                  </p:tgtEl>
+                </p:cond>
+              </p:nextCondLst>
+            </p:seq>
+          </p:childTnLst>
+        </p:cTn>
+      </p:par>
+    </p:tnLst>
+  </p:timing>
 </p:sld>
 </file>
 
-<file path=ppt/slides/slide21.xml><?xml version="1.0" encoding="utf-8"?>
+<file path=ppt/slides/slide23.xml><?xml version="1.0" encoding="utf-8"?>
 <p:sld xmlns:a="http://schemas.openxmlformats.org/drawingml/2006/main" xmlns:r="http://schemas.openxmlformats.org/officeDocument/2006/relationships" xmlns:p="http://schemas.openxmlformats.org/presentationml/2006/main">
   <p:cSld>
     <p:spTree>
@@ -14373,7 +14800,7 @@
                 <a:buFont typeface="Times New Roman" pitchFamily="18" charset="0"/>
                 <a:buNone/>
               </a:pPr>
-              <a:t>21</a:t>
+              <a:t>23</a:t>
             </a:fld>
             <a:endParaRPr lang="en-GB" altLang="en-US" sz="1200" b="1">
               <a:solidFill>
@@ -14384,29 +14811,6 @@
           </a:p>
         </p:txBody>
       </p:sp>
-      <p:pic>
-        <p:nvPicPr>
-          <p:cNvPr id="5" name="Picture 4"/>
-          <p:cNvPicPr>
-            <a:picLocks noChangeAspect="1"/>
-          </p:cNvPicPr>
-          <p:nvPr/>
-        </p:nvPicPr>
-        <p:blipFill rotWithShape="1">
-          <a:blip r:embed="rId2"/>
-          <a:srcRect l="19622" t="22866" r="1215" b="33099"/>
-          <a:stretch/>
-        </p:blipFill>
-        <p:spPr>
-          <a:xfrm>
-            <a:off x="4043680" y="959876"/>
-            <a:ext cx="4972980" cy="2818615"/>
-          </a:xfrm>
-          <a:prstGeom prst="rect">
-            <a:avLst/>
-          </a:prstGeom>
-        </p:spPr>
-      </p:pic>
       <p:pic>
         <p:nvPicPr>
           <p:cNvPr id="2" name="Picture 1"/>
@@ -14416,7 +14820,9 @@
           <p:nvPr/>
         </p:nvPicPr>
         <p:blipFill rotWithShape="1">
-          <a:blip r:embed="rId3"/>
+          <a:blip r:embed="rId2">
+            <a:grayscl/>
+          </a:blip>
           <a:srcRect l="28894" t="6307" r="16934" b="39405"/>
           <a:stretch/>
         </p:blipFill>
@@ -14424,6 +14830,29 @@
           <a:xfrm>
             <a:off x="4631728" y="3383281"/>
             <a:ext cx="3403078" cy="3474720"/>
+          </a:xfrm>
+          <a:prstGeom prst="rect">
+            <a:avLst/>
+          </a:prstGeom>
+        </p:spPr>
+      </p:pic>
+      <p:pic>
+        <p:nvPicPr>
+          <p:cNvPr id="7" name="Picture 6"/>
+          <p:cNvPicPr>
+            <a:picLocks noChangeAspect="1"/>
+          </p:cNvPicPr>
+          <p:nvPr/>
+        </p:nvPicPr>
+        <p:blipFill rotWithShape="1">
+          <a:blip r:embed="rId3"/>
+          <a:srcRect l="19977" t="19485" b="37817"/>
+          <a:stretch/>
+        </p:blipFill>
+        <p:spPr>
+          <a:xfrm>
+            <a:off x="4064000" y="741680"/>
+            <a:ext cx="5027038" cy="2733040"/>
           </a:xfrm>
           <a:prstGeom prst="rect">
             <a:avLst/>
@@ -14433,92 +14862,17 @@
     </p:spTree>
     <p:extLst>
       <p:ext uri="{BB962C8B-B14F-4D97-AF65-F5344CB8AC3E}">
-        <p14:creationId xmlns:p14="http://schemas.microsoft.com/office/powerpoint/2010/main" val="1550371108"/>
+        <p14:creationId xmlns:p14="http://schemas.microsoft.com/office/powerpoint/2010/main" val="4246420255"/>
       </p:ext>
     </p:extLst>
   </p:cSld>
   <p:clrMapOvr>
     <a:masterClrMapping/>
   </p:clrMapOvr>
-  <p:timing>
-    <p:tnLst>
-      <p:par>
-        <p:cTn id="1" dur="indefinite" restart="never" nodeType="tmRoot">
-          <p:childTnLst>
-            <p:seq concurrent="1" nextAc="seek">
-              <p:cTn id="2" dur="indefinite" nodeType="mainSeq">
-                <p:childTnLst>
-                  <p:par>
-                    <p:cTn id="3" fill="hold">
-                      <p:stCondLst>
-                        <p:cond delay="indefinite"/>
-                      </p:stCondLst>
-                      <p:childTnLst>
-                        <p:par>
-                          <p:cTn id="4" fill="hold">
-                            <p:stCondLst>
-                              <p:cond delay="0"/>
-                            </p:stCondLst>
-                            <p:childTnLst>
-                              <p:par>
-                                <p:cTn id="5" presetID="1" presetClass="entr" presetSubtype="0" fill="hold" nodeType="clickEffect">
-                                  <p:stCondLst>
-                                    <p:cond delay="0"/>
-                                  </p:stCondLst>
-                                  <p:childTnLst>
-                                    <p:set>
-                                      <p:cBhvr>
-                                        <p:cTn id="6" dur="1" fill="hold">
-                                          <p:stCondLst>
-                                            <p:cond delay="0"/>
-                                          </p:stCondLst>
-                                        </p:cTn>
-                                        <p:tgtEl>
-                                          <p:spTgt spid="2"/>
-                                        </p:tgtEl>
-                                        <p:attrNameLst>
-                                          <p:attrName>style.visibility</p:attrName>
-                                        </p:attrNameLst>
-                                      </p:cBhvr>
-                                      <p:to>
-                                        <p:strVal val="visible"/>
-                                      </p:to>
-                                    </p:set>
-                                  </p:childTnLst>
-                                </p:cTn>
-                              </p:par>
-                            </p:childTnLst>
-                          </p:cTn>
-                        </p:par>
-                      </p:childTnLst>
-                    </p:cTn>
-                  </p:par>
-                </p:childTnLst>
-              </p:cTn>
-              <p:prevCondLst>
-                <p:cond evt="onPrev" delay="0">
-                  <p:tgtEl>
-                    <p:sldTgt/>
-                  </p:tgtEl>
-                </p:cond>
-              </p:prevCondLst>
-              <p:nextCondLst>
-                <p:cond evt="onNext" delay="0">
-                  <p:tgtEl>
-                    <p:sldTgt/>
-                  </p:tgtEl>
-                </p:cond>
-              </p:nextCondLst>
-            </p:seq>
-          </p:childTnLst>
-        </p:cTn>
-      </p:par>
-    </p:tnLst>
-  </p:timing>
 </p:sld>
 </file>
 
-<file path=ppt/slides/slide22.xml><?xml version="1.0" encoding="utf-8"?>
+<file path=ppt/slides/slide24.xml><?xml version="1.0" encoding="utf-8"?>
 <p:sld xmlns:a="http://schemas.openxmlformats.org/drawingml/2006/main" xmlns:r="http://schemas.openxmlformats.org/officeDocument/2006/relationships" xmlns:p="http://schemas.openxmlformats.org/presentationml/2006/main">
   <p:cSld>
     <p:spTree>
@@ -14535,6 +14889,31 @@
           <a:chExt cx="0" cy="0"/>
         </a:xfrm>
       </p:grpSpPr>
+      <p:pic>
+        <p:nvPicPr>
+          <p:cNvPr id="7" name="Picture 6"/>
+          <p:cNvPicPr>
+            <a:picLocks noChangeAspect="1"/>
+          </p:cNvPicPr>
+          <p:nvPr/>
+        </p:nvPicPr>
+        <p:blipFill rotWithShape="1">
+          <a:blip r:embed="rId2">
+            <a:grayscl/>
+          </a:blip>
+          <a:srcRect l="19622" t="22866" r="1215" b="33099"/>
+          <a:stretch/>
+        </p:blipFill>
+        <p:spPr>
+          <a:xfrm>
+            <a:off x="4043680" y="959876"/>
+            <a:ext cx="4972980" cy="2818615"/>
+          </a:xfrm>
+          <a:prstGeom prst="rect">
+            <a:avLst/>
+          </a:prstGeom>
+        </p:spPr>
+      </p:pic>
       <p:sp>
         <p:nvSpPr>
           <p:cNvPr id="6" name="Rectangle 5"/>
@@ -14993,7 +15372,7 @@
                 <a:buFont typeface="Times New Roman" pitchFamily="18" charset="0"/>
                 <a:buNone/>
               </a:pPr>
-              <a:t>22</a:t>
+              <a:t>24</a:t>
             </a:fld>
             <a:endParaRPr lang="en-GB" altLang="en-US" sz="1200" b="1">
               <a:solidFill>
@@ -15006,32 +15385,7 @@
       </p:sp>
       <p:pic>
         <p:nvPicPr>
-          <p:cNvPr id="2" name="Picture 1"/>
-          <p:cNvPicPr>
-            <a:picLocks noChangeAspect="1"/>
-          </p:cNvPicPr>
-          <p:nvPr/>
-        </p:nvPicPr>
-        <p:blipFill rotWithShape="1">
-          <a:blip r:embed="rId2">
-            <a:grayscl/>
-          </a:blip>
-          <a:srcRect l="28894" t="6307" r="16934" b="39405"/>
-          <a:stretch/>
-        </p:blipFill>
-        <p:spPr>
-          <a:xfrm>
-            <a:off x="4631728" y="3383281"/>
-            <a:ext cx="3403078" cy="3474720"/>
-          </a:xfrm>
-          <a:prstGeom prst="rect">
-            <a:avLst/>
-          </a:prstGeom>
-        </p:spPr>
-      </p:pic>
-      <p:pic>
-        <p:nvPicPr>
-          <p:cNvPr id="7" name="Picture 6"/>
+          <p:cNvPr id="10" name="Picture 9"/>
           <p:cNvPicPr>
             <a:picLocks noChangeAspect="1"/>
           </p:cNvPicPr>
@@ -15039,13 +15393,13 @@
         </p:nvPicPr>
         <p:blipFill rotWithShape="1">
           <a:blip r:embed="rId3"/>
-          <a:srcRect l="19977" t="19485" b="37817"/>
+          <a:srcRect l="29024" t="5845" r="16634" b="29549"/>
           <a:stretch/>
         </p:blipFill>
         <p:spPr>
           <a:xfrm>
-            <a:off x="4064000" y="741680"/>
-            <a:ext cx="5027038" cy="2733040"/>
+            <a:off x="4643120" y="3352801"/>
+            <a:ext cx="3413760" cy="4135413"/>
           </a:xfrm>
           <a:prstGeom prst="rect">
             <a:avLst/>
@@ -15055,7 +15409,7 @@
     </p:spTree>
     <p:extLst>
       <p:ext uri="{BB962C8B-B14F-4D97-AF65-F5344CB8AC3E}">
-        <p14:creationId xmlns:p14="http://schemas.microsoft.com/office/powerpoint/2010/main" val="4246420255"/>
+        <p14:creationId xmlns:p14="http://schemas.microsoft.com/office/powerpoint/2010/main" val="569429163"/>
       </p:ext>
     </p:extLst>
   </p:cSld>
@@ -15065,7 +15419,7 @@
 </p:sld>
 </file>
 
-<file path=ppt/slides/slide23.xml><?xml version="1.0" encoding="utf-8"?>
+<file path=ppt/slides/slide25.xml><?xml version="1.0" encoding="utf-8"?>
 <p:sld xmlns:a="http://schemas.openxmlformats.org/drawingml/2006/main" xmlns:r="http://schemas.openxmlformats.org/officeDocument/2006/relationships" xmlns:p="http://schemas.openxmlformats.org/presentationml/2006/main">
   <p:cSld>
     <p:spTree>
@@ -15084,23 +15438,87 @@
       </p:grpSpPr>
       <p:pic>
         <p:nvPicPr>
-          <p:cNvPr id="7" name="Picture 6"/>
+          <p:cNvPr id="3" name="Picture 2"/>
+          <p:cNvPicPr>
+            <a:picLocks noChangeAspect="1"/>
+          </p:cNvPicPr>
+          <p:nvPr/>
+        </p:nvPicPr>
+        <p:blipFill>
+          <a:blip r:embed="rId2"/>
+          <a:stretch>
+            <a:fillRect/>
+          </a:stretch>
+        </p:blipFill>
+        <p:spPr>
+          <a:xfrm>
+            <a:off x="4458316" y="3011164"/>
+            <a:ext cx="3629012" cy="3544397"/>
+          </a:xfrm>
+          <a:prstGeom prst="rect">
+            <a:avLst/>
+          </a:prstGeom>
+        </p:spPr>
+      </p:pic>
+      <p:sp>
+        <p:nvSpPr>
+          <p:cNvPr id="6" name="Rectangle 5"/>
+          <p:cNvSpPr/>
+          <p:nvPr/>
+        </p:nvSpPr>
+        <p:spPr>
+          <a:xfrm>
+            <a:off x="1889759" y="137160"/>
+            <a:ext cx="3605474" cy="523220"/>
+          </a:xfrm>
+          <a:prstGeom prst="rect">
+            <a:avLst/>
+          </a:prstGeom>
+        </p:spPr>
+        <p:txBody>
+          <a:bodyPr wrap="none">
+            <a:spAutoFit/>
+          </a:bodyPr>
+          <a:lstStyle/>
+          <a:p>
+            <a:pPr>
+              <a:defRPr/>
+            </a:pPr>
+            <a:r>
+              <a:rPr lang="en-US" sz="2800" kern="0" dirty="0">
+                <a:solidFill>
+                  <a:schemeClr val="bg1"/>
+                </a:solidFill>
+                <a:latin typeface="Century Gothic" panose="020B0502020202020204" pitchFamily="34" charset="0"/>
+              </a:rPr>
+              <a:t>Training and Testing</a:t>
+            </a:r>
+            <a:endParaRPr lang="en-US" sz="2800" b="1" kern="0" dirty="0">
+              <a:solidFill>
+                <a:schemeClr val="bg1"/>
+              </a:solidFill>
+              <a:latin typeface="Century Gothic" pitchFamily="34" charset="0"/>
+            </a:endParaRPr>
+          </a:p>
+        </p:txBody>
+      </p:sp>
+      <p:pic>
+        <p:nvPicPr>
+          <p:cNvPr id="8" name="Picture 7"/>
           <p:cNvPicPr>
             <a:picLocks noChangeAspect="1"/>
           </p:cNvPicPr>
           <p:nvPr/>
         </p:nvPicPr>
         <p:blipFill rotWithShape="1">
-          <a:blip r:embed="rId2">
-            <a:grayscl/>
-          </a:blip>
-          <a:srcRect l="19622" t="22866" r="1215" b="33099"/>
+          <a:blip r:embed="rId3"/>
+          <a:srcRect l="29712" t="29346" r="17466" b="40021"/>
           <a:stretch/>
         </p:blipFill>
         <p:spPr>
           <a:xfrm>
-            <a:off x="4043680" y="959876"/>
-            <a:ext cx="4972980" cy="2818615"/>
+            <a:off x="4675134" y="955561"/>
+            <a:ext cx="3318235" cy="1960775"/>
           </a:xfrm>
           <a:prstGeom prst="rect">
             <a:avLst/>
@@ -15109,6 +15527,193 @@
       </p:pic>
       <p:sp>
         <p:nvSpPr>
+          <p:cNvPr id="9" name="Rectangle 8"/>
+          <p:cNvSpPr/>
+          <p:nvPr/>
+        </p:nvSpPr>
+        <p:spPr>
+          <a:xfrm>
+            <a:off x="5441622" y="6471126"/>
+            <a:ext cx="3293882" cy="338554"/>
+          </a:xfrm>
+          <a:prstGeom prst="rect">
+            <a:avLst/>
+          </a:prstGeom>
+        </p:spPr>
+        <p:txBody>
+          <a:bodyPr wrap="square">
+            <a:spAutoFit/>
+          </a:bodyPr>
+          <a:lstStyle/>
+          <a:p>
+            <a:r>
+              <a:rPr lang="en-US" sz="1600" b="1" dirty="0">
+                <a:latin typeface="Arial" panose="020B0604020202020204" pitchFamily="34" charset="0"/>
+                <a:cs typeface="Arial" panose="020B0604020202020204" pitchFamily="34" charset="0"/>
+              </a:rPr>
+              <a:t>Degree of polynomial</a:t>
+            </a:r>
+          </a:p>
+        </p:txBody>
+      </p:sp>
+      <p:sp>
+        <p:nvSpPr>
+          <p:cNvPr id="11" name="Rectangle 10"/>
+          <p:cNvSpPr/>
+          <p:nvPr/>
+        </p:nvSpPr>
+        <p:spPr>
+          <a:xfrm rot="-5400000">
+            <a:off x="2663296" y="4016728"/>
+            <a:ext cx="3293882" cy="338554"/>
+          </a:xfrm>
+          <a:prstGeom prst="rect">
+            <a:avLst/>
+          </a:prstGeom>
+        </p:spPr>
+        <p:txBody>
+          <a:bodyPr wrap="square">
+            <a:spAutoFit/>
+          </a:bodyPr>
+          <a:lstStyle/>
+          <a:p>
+            <a:r>
+              <a:rPr lang="en-US" sz="1600" b="1" dirty="0">
+                <a:latin typeface="Arial" panose="020B0604020202020204" pitchFamily="34" charset="0"/>
+                <a:cs typeface="Arial" panose="020B0604020202020204" pitchFamily="34" charset="0"/>
+              </a:rPr>
+              <a:t>Error on Training Set</a:t>
+            </a:r>
+          </a:p>
+        </p:txBody>
+      </p:sp>
+      <p:sp>
+        <p:nvSpPr>
+          <p:cNvPr id="15" name="Rectangle 14"/>
+          <p:cNvSpPr/>
+          <p:nvPr/>
+        </p:nvSpPr>
+        <p:spPr>
+          <a:xfrm>
+            <a:off x="6022908" y="5481611"/>
+            <a:ext cx="2381776" cy="369332"/>
+          </a:xfrm>
+          <a:prstGeom prst="rect">
+            <a:avLst/>
+          </a:prstGeom>
+        </p:spPr>
+        <p:txBody>
+          <a:bodyPr wrap="square">
+            <a:spAutoFit/>
+          </a:bodyPr>
+          <a:lstStyle/>
+          <a:p>
+            <a:pPr>
+              <a:buSzPct val="150000"/>
+            </a:pPr>
+            <a:r>
+              <a:rPr lang="en-US" b="1" dirty="0">
+                <a:latin typeface="Arial" panose="020B0604020202020204" pitchFamily="34" charset="0"/>
+                <a:cs typeface="Arial" panose="020B0604020202020204" pitchFamily="34" charset="0"/>
+              </a:rPr>
+              <a:t>Training Error</a:t>
+            </a:r>
+          </a:p>
+        </p:txBody>
+      </p:sp>
+      <p:sp>
+        <p:nvSpPr>
+          <p:cNvPr id="10" name="Rectangle 9"/>
+          <p:cNvSpPr/>
+          <p:nvPr/>
+        </p:nvSpPr>
+        <p:spPr>
+          <a:xfrm>
+            <a:off x="6187156" y="3420926"/>
+            <a:ext cx="2381776" cy="369332"/>
+          </a:xfrm>
+          <a:prstGeom prst="rect">
+            <a:avLst/>
+          </a:prstGeom>
+        </p:spPr>
+        <p:txBody>
+          <a:bodyPr wrap="square">
+            <a:spAutoFit/>
+          </a:bodyPr>
+          <a:lstStyle/>
+          <a:p>
+            <a:pPr>
+              <a:buSzPct val="150000"/>
+            </a:pPr>
+            <a:r>
+              <a:rPr lang="en-US" b="1" dirty="0">
+                <a:solidFill>
+                  <a:srgbClr val="C00000"/>
+                </a:solidFill>
+                <a:latin typeface="Arial" panose="020B0604020202020204" pitchFamily="34" charset="0"/>
+                <a:cs typeface="Arial" panose="020B0604020202020204" pitchFamily="34" charset="0"/>
+              </a:rPr>
+              <a:t>Testing Error</a:t>
+            </a:r>
+          </a:p>
+        </p:txBody>
+      </p:sp>
+    </p:spTree>
+    <p:extLst>
+      <p:ext uri="{BB962C8B-B14F-4D97-AF65-F5344CB8AC3E}">
+        <p14:creationId xmlns:p14="http://schemas.microsoft.com/office/powerpoint/2010/main" val="1008435153"/>
+      </p:ext>
+    </p:extLst>
+  </p:cSld>
+  <p:clrMapOvr>
+    <a:masterClrMapping/>
+  </p:clrMapOvr>
+</p:sld>
+</file>
+
+<file path=ppt/slides/slide26.xml><?xml version="1.0" encoding="utf-8"?>
+<p:sld xmlns:a="http://schemas.openxmlformats.org/drawingml/2006/main" xmlns:r="http://schemas.openxmlformats.org/officeDocument/2006/relationships" xmlns:p="http://schemas.openxmlformats.org/presentationml/2006/main">
+  <p:cSld>
+    <p:spTree>
+      <p:nvGrpSpPr>
+        <p:cNvPr id="1" name=""/>
+        <p:cNvGrpSpPr/>
+        <p:nvPr/>
+      </p:nvGrpSpPr>
+      <p:grpSpPr>
+        <a:xfrm>
+          <a:off x="0" y="0"/>
+          <a:ext cx="0" cy="0"/>
+          <a:chOff x="0" y="0"/>
+          <a:chExt cx="0" cy="0"/>
+        </a:xfrm>
+      </p:grpSpPr>
+      <p:pic>
+        <p:nvPicPr>
+          <p:cNvPr id="12" name="Picture 11"/>
+          <p:cNvPicPr>
+            <a:picLocks noChangeAspect="1"/>
+          </p:cNvPicPr>
+          <p:nvPr/>
+        </p:nvPicPr>
+        <p:blipFill>
+          <a:blip r:embed="rId2"/>
+          <a:stretch>
+            <a:fillRect/>
+          </a:stretch>
+        </p:blipFill>
+        <p:spPr>
+          <a:xfrm>
+            <a:off x="4434472" y="3182452"/>
+            <a:ext cx="3505369" cy="3414791"/>
+          </a:xfrm>
+          <a:prstGeom prst="rect">
+            <a:avLst/>
+          </a:prstGeom>
+        </p:spPr>
+      </p:pic>
+      <p:sp>
+        <p:nvSpPr>
           <p:cNvPr id="6" name="Rectangle 5"/>
           <p:cNvSpPr/>
           <p:nvPr/>
@@ -15116,7 +15721,7 @@
         <p:spPr>
           <a:xfrm>
             <a:off x="1889759" y="137160"/>
-            <a:ext cx="7973658" cy="523220"/>
+            <a:ext cx="3605474" cy="523220"/>
           </a:xfrm>
           <a:prstGeom prst="rect">
             <a:avLst/>
@@ -15138,16 +15743,7 @@
                 </a:solidFill>
                 <a:latin typeface="Century Gothic" panose="020B0502020202020204" pitchFamily="34" charset="0"/>
               </a:rPr>
-              <a:t>Model Capacity: Overfitting and </a:t>
-            </a:r>
-            <a:r>
-              <a:rPr lang="en-US" sz="2800" kern="0" dirty="0" err="1">
-                <a:solidFill>
-                  <a:schemeClr val="bg1"/>
-                </a:solidFill>
-                <a:latin typeface="Century Gothic" panose="020B0502020202020204" pitchFamily="34" charset="0"/>
-              </a:rPr>
-              <a:t>Underfitting</a:t>
+              <a:t>Training and Testing</a:t>
             </a:r>
             <a:endParaRPr lang="en-US" sz="2800" b="1" kern="0" dirty="0">
               <a:solidFill>
@@ -15155,6 +15751,568 @@
               </a:solidFill>
               <a:latin typeface="Century Gothic" pitchFamily="34" charset="0"/>
             </a:endParaRPr>
+          </a:p>
+        </p:txBody>
+      </p:sp>
+      <p:sp>
+        <p:nvSpPr>
+          <p:cNvPr id="9" name="Rectangle 8"/>
+          <p:cNvSpPr/>
+          <p:nvPr/>
+        </p:nvSpPr>
+        <p:spPr>
+          <a:xfrm>
+            <a:off x="5441622" y="6471126"/>
+            <a:ext cx="3293882" cy="338554"/>
+          </a:xfrm>
+          <a:prstGeom prst="rect">
+            <a:avLst/>
+          </a:prstGeom>
+        </p:spPr>
+        <p:txBody>
+          <a:bodyPr wrap="square">
+            <a:spAutoFit/>
+          </a:bodyPr>
+          <a:lstStyle/>
+          <a:p>
+            <a:r>
+              <a:rPr lang="en-US" sz="1600" b="1" dirty="0">
+                <a:latin typeface="Arial" panose="020B0604020202020204" pitchFamily="34" charset="0"/>
+                <a:cs typeface="Arial" panose="020B0604020202020204" pitchFamily="34" charset="0"/>
+              </a:rPr>
+              <a:t>Degree of polynomial</a:t>
+            </a:r>
+          </a:p>
+        </p:txBody>
+      </p:sp>
+      <p:sp>
+        <p:nvSpPr>
+          <p:cNvPr id="11" name="Rectangle 10"/>
+          <p:cNvSpPr/>
+          <p:nvPr/>
+        </p:nvSpPr>
+        <p:spPr>
+          <a:xfrm rot="-5400000">
+            <a:off x="2663296" y="4016728"/>
+            <a:ext cx="3293882" cy="338554"/>
+          </a:xfrm>
+          <a:prstGeom prst="rect">
+            <a:avLst/>
+          </a:prstGeom>
+        </p:spPr>
+        <p:txBody>
+          <a:bodyPr wrap="square">
+            <a:spAutoFit/>
+          </a:bodyPr>
+          <a:lstStyle/>
+          <a:p>
+            <a:r>
+              <a:rPr lang="en-US" sz="1600" b="1" dirty="0">
+                <a:latin typeface="Arial" panose="020B0604020202020204" pitchFamily="34" charset="0"/>
+                <a:cs typeface="Arial" panose="020B0604020202020204" pitchFamily="34" charset="0"/>
+              </a:rPr>
+              <a:t>Error on Training Set</a:t>
+            </a:r>
+          </a:p>
+        </p:txBody>
+      </p:sp>
+      <p:sp>
+        <p:nvSpPr>
+          <p:cNvPr id="15" name="Rectangle 14"/>
+          <p:cNvSpPr/>
+          <p:nvPr/>
+        </p:nvSpPr>
+        <p:spPr>
+          <a:xfrm>
+            <a:off x="6671128" y="5506007"/>
+            <a:ext cx="1190888" cy="646331"/>
+          </a:xfrm>
+          <a:prstGeom prst="rect">
+            <a:avLst/>
+          </a:prstGeom>
+        </p:spPr>
+        <p:txBody>
+          <a:bodyPr wrap="square">
+            <a:spAutoFit/>
+          </a:bodyPr>
+          <a:lstStyle/>
+          <a:p>
+            <a:pPr algn="ctr">
+              <a:buSzPct val="150000"/>
+            </a:pPr>
+            <a:r>
+              <a:rPr lang="en-US" b="1" dirty="0">
+                <a:latin typeface="Arial" panose="020B0604020202020204" pitchFamily="34" charset="0"/>
+                <a:cs typeface="Arial" panose="020B0604020202020204" pitchFamily="34" charset="0"/>
+              </a:rPr>
+              <a:t>Training</a:t>
+            </a:r>
+          </a:p>
+          <a:p>
+            <a:pPr algn="ctr">
+              <a:buSzPct val="150000"/>
+            </a:pPr>
+            <a:r>
+              <a:rPr lang="en-US" b="1" dirty="0">
+                <a:latin typeface="Arial" panose="020B0604020202020204" pitchFamily="34" charset="0"/>
+                <a:cs typeface="Arial" panose="020B0604020202020204" pitchFamily="34" charset="0"/>
+              </a:rPr>
+              <a:t>Error</a:t>
+            </a:r>
+          </a:p>
+        </p:txBody>
+      </p:sp>
+      <p:sp>
+        <p:nvSpPr>
+          <p:cNvPr id="10" name="Rectangle 9"/>
+          <p:cNvSpPr/>
+          <p:nvPr/>
+        </p:nvSpPr>
+        <p:spPr>
+          <a:xfrm>
+            <a:off x="6639938" y="3538504"/>
+            <a:ext cx="1222078" cy="646331"/>
+          </a:xfrm>
+          <a:prstGeom prst="rect">
+            <a:avLst/>
+          </a:prstGeom>
+        </p:spPr>
+        <p:txBody>
+          <a:bodyPr wrap="square">
+            <a:spAutoFit/>
+          </a:bodyPr>
+          <a:lstStyle/>
+          <a:p>
+            <a:pPr algn="ctr">
+              <a:buSzPct val="150000"/>
+            </a:pPr>
+            <a:r>
+              <a:rPr lang="en-US" b="1" dirty="0">
+                <a:solidFill>
+                  <a:srgbClr val="C00000"/>
+                </a:solidFill>
+                <a:latin typeface="Arial" panose="020B0604020202020204" pitchFamily="34" charset="0"/>
+                <a:cs typeface="Arial" panose="020B0604020202020204" pitchFamily="34" charset="0"/>
+              </a:rPr>
+              <a:t>Testing</a:t>
+            </a:r>
+          </a:p>
+          <a:p>
+            <a:pPr algn="ctr">
+              <a:buSzPct val="150000"/>
+            </a:pPr>
+            <a:r>
+              <a:rPr lang="en-US" b="1" dirty="0">
+                <a:solidFill>
+                  <a:srgbClr val="C00000"/>
+                </a:solidFill>
+                <a:latin typeface="Arial" panose="020B0604020202020204" pitchFamily="34" charset="0"/>
+                <a:cs typeface="Arial" panose="020B0604020202020204" pitchFamily="34" charset="0"/>
+              </a:rPr>
+              <a:t>Error</a:t>
+            </a:r>
+          </a:p>
+        </p:txBody>
+      </p:sp>
+      <p:pic>
+        <p:nvPicPr>
+          <p:cNvPr id="4" name="Picture 3"/>
+          <p:cNvPicPr>
+            <a:picLocks noChangeAspect="1"/>
+          </p:cNvPicPr>
+          <p:nvPr/>
+        </p:nvPicPr>
+        <p:blipFill rotWithShape="1">
+          <a:blip r:embed="rId3"/>
+          <a:srcRect l="18908" t="5270" r="12144" b="20139"/>
+          <a:stretch/>
+        </p:blipFill>
+        <p:spPr>
+          <a:xfrm>
+            <a:off x="4981227" y="753864"/>
+            <a:ext cx="2236657" cy="2370208"/>
+          </a:xfrm>
+          <a:prstGeom prst="rect">
+            <a:avLst/>
+          </a:prstGeom>
+        </p:spPr>
+      </p:pic>
+    </p:spTree>
+    <p:extLst>
+      <p:ext uri="{BB962C8B-B14F-4D97-AF65-F5344CB8AC3E}">
+        <p14:creationId xmlns:p14="http://schemas.microsoft.com/office/powerpoint/2010/main" val="3776072246"/>
+      </p:ext>
+    </p:extLst>
+  </p:cSld>
+  <p:clrMapOvr>
+    <a:masterClrMapping/>
+  </p:clrMapOvr>
+  <p:timing>
+    <p:tnLst>
+      <p:par>
+        <p:cTn id="1" dur="indefinite" restart="never" nodeType="tmRoot">
+          <p:childTnLst>
+            <p:seq concurrent="1" nextAc="seek">
+              <p:cTn id="2" dur="indefinite" nodeType="mainSeq">
+                <p:childTnLst>
+                  <p:par>
+                    <p:cTn id="3" fill="hold">
+                      <p:stCondLst>
+                        <p:cond delay="indefinite"/>
+                      </p:stCondLst>
+                      <p:childTnLst>
+                        <p:par>
+                          <p:cTn id="4" fill="hold">
+                            <p:stCondLst>
+                              <p:cond delay="0"/>
+                            </p:stCondLst>
+                            <p:childTnLst>
+                              <p:par>
+                                <p:cTn id="5" presetID="1" presetClass="entr" presetSubtype="0" fill="hold" nodeType="clickEffect">
+                                  <p:stCondLst>
+                                    <p:cond delay="0"/>
+                                  </p:stCondLst>
+                                  <p:childTnLst>
+                                    <p:set>
+                                      <p:cBhvr>
+                                        <p:cTn id="6" dur="1" fill="hold">
+                                          <p:stCondLst>
+                                            <p:cond delay="0"/>
+                                          </p:stCondLst>
+                                        </p:cTn>
+                                        <p:tgtEl>
+                                          <p:spTgt spid="12"/>
+                                        </p:tgtEl>
+                                        <p:attrNameLst>
+                                          <p:attrName>style.visibility</p:attrName>
+                                        </p:attrNameLst>
+                                      </p:cBhvr>
+                                      <p:to>
+                                        <p:strVal val="visible"/>
+                                      </p:to>
+                                    </p:set>
+                                  </p:childTnLst>
+                                </p:cTn>
+                              </p:par>
+                              <p:par>
+                                <p:cTn id="7" presetID="1" presetClass="entr" presetSubtype="0" fill="hold" grpId="0" nodeType="withEffect">
+                                  <p:stCondLst>
+                                    <p:cond delay="0"/>
+                                  </p:stCondLst>
+                                  <p:childTnLst>
+                                    <p:set>
+                                      <p:cBhvr>
+                                        <p:cTn id="8" dur="1" fill="hold">
+                                          <p:stCondLst>
+                                            <p:cond delay="0"/>
+                                          </p:stCondLst>
+                                        </p:cTn>
+                                        <p:tgtEl>
+                                          <p:spTgt spid="9"/>
+                                        </p:tgtEl>
+                                        <p:attrNameLst>
+                                          <p:attrName>style.visibility</p:attrName>
+                                        </p:attrNameLst>
+                                      </p:cBhvr>
+                                      <p:to>
+                                        <p:strVal val="visible"/>
+                                      </p:to>
+                                    </p:set>
+                                  </p:childTnLst>
+                                </p:cTn>
+                              </p:par>
+                              <p:par>
+                                <p:cTn id="9" presetID="1" presetClass="entr" presetSubtype="0" fill="hold" grpId="0" nodeType="withEffect">
+                                  <p:stCondLst>
+                                    <p:cond delay="0"/>
+                                  </p:stCondLst>
+                                  <p:childTnLst>
+                                    <p:set>
+                                      <p:cBhvr>
+                                        <p:cTn id="10" dur="1" fill="hold">
+                                          <p:stCondLst>
+                                            <p:cond delay="0"/>
+                                          </p:stCondLst>
+                                        </p:cTn>
+                                        <p:tgtEl>
+                                          <p:spTgt spid="15"/>
+                                        </p:tgtEl>
+                                        <p:attrNameLst>
+                                          <p:attrName>style.visibility</p:attrName>
+                                        </p:attrNameLst>
+                                      </p:cBhvr>
+                                      <p:to>
+                                        <p:strVal val="visible"/>
+                                      </p:to>
+                                    </p:set>
+                                  </p:childTnLst>
+                                </p:cTn>
+                              </p:par>
+                              <p:par>
+                                <p:cTn id="11" presetID="1" presetClass="entr" presetSubtype="0" fill="hold" grpId="0" nodeType="withEffect">
+                                  <p:stCondLst>
+                                    <p:cond delay="0"/>
+                                  </p:stCondLst>
+                                  <p:childTnLst>
+                                    <p:set>
+                                      <p:cBhvr>
+                                        <p:cTn id="12" dur="1" fill="hold">
+                                          <p:stCondLst>
+                                            <p:cond delay="0"/>
+                                          </p:stCondLst>
+                                        </p:cTn>
+                                        <p:tgtEl>
+                                          <p:spTgt spid="10"/>
+                                        </p:tgtEl>
+                                        <p:attrNameLst>
+                                          <p:attrName>style.visibility</p:attrName>
+                                        </p:attrNameLst>
+                                      </p:cBhvr>
+                                      <p:to>
+                                        <p:strVal val="visible"/>
+                                      </p:to>
+                                    </p:set>
+                                  </p:childTnLst>
+                                </p:cTn>
+                              </p:par>
+                              <p:par>
+                                <p:cTn id="13" presetID="1" presetClass="entr" presetSubtype="0" fill="hold" grpId="0" nodeType="withEffect">
+                                  <p:stCondLst>
+                                    <p:cond delay="0"/>
+                                  </p:stCondLst>
+                                  <p:childTnLst>
+                                    <p:set>
+                                      <p:cBhvr>
+                                        <p:cTn id="14" dur="1" fill="hold">
+                                          <p:stCondLst>
+                                            <p:cond delay="0"/>
+                                          </p:stCondLst>
+                                        </p:cTn>
+                                        <p:tgtEl>
+                                          <p:spTgt spid="11"/>
+                                        </p:tgtEl>
+                                        <p:attrNameLst>
+                                          <p:attrName>style.visibility</p:attrName>
+                                        </p:attrNameLst>
+                                      </p:cBhvr>
+                                      <p:to>
+                                        <p:strVal val="visible"/>
+                                      </p:to>
+                                    </p:set>
+                                  </p:childTnLst>
+                                </p:cTn>
+                              </p:par>
+                            </p:childTnLst>
+                          </p:cTn>
+                        </p:par>
+                      </p:childTnLst>
+                    </p:cTn>
+                  </p:par>
+                </p:childTnLst>
+              </p:cTn>
+              <p:prevCondLst>
+                <p:cond evt="onPrev" delay="0">
+                  <p:tgtEl>
+                    <p:sldTgt/>
+                  </p:tgtEl>
+                </p:cond>
+              </p:prevCondLst>
+              <p:nextCondLst>
+                <p:cond evt="onNext" delay="0">
+                  <p:tgtEl>
+                    <p:sldTgt/>
+                  </p:tgtEl>
+                </p:cond>
+              </p:nextCondLst>
+            </p:seq>
+          </p:childTnLst>
+        </p:cTn>
+      </p:par>
+    </p:tnLst>
+    <p:bldLst>
+      <p:bldP spid="9" grpId="0"/>
+      <p:bldP spid="11" grpId="0"/>
+      <p:bldP spid="15" grpId="0"/>
+      <p:bldP spid="10" grpId="0"/>
+    </p:bldLst>
+  </p:timing>
+</p:sld>
+</file>
+
+<file path=ppt/slides/slide27.xml><?xml version="1.0" encoding="utf-8"?>
+<p:sld xmlns:a="http://schemas.openxmlformats.org/drawingml/2006/main" xmlns:r="http://schemas.openxmlformats.org/officeDocument/2006/relationships" xmlns:p="http://schemas.openxmlformats.org/presentationml/2006/main">
+  <p:cSld>
+    <p:spTree>
+      <p:nvGrpSpPr>
+        <p:cNvPr id="1" name=""/>
+        <p:cNvGrpSpPr/>
+        <p:nvPr/>
+      </p:nvGrpSpPr>
+      <p:grpSpPr>
+        <a:xfrm>
+          <a:off x="0" y="0"/>
+          <a:ext cx="0" cy="0"/>
+          <a:chOff x="0" y="0"/>
+          <a:chExt cx="0" cy="0"/>
+        </a:xfrm>
+      </p:grpSpPr>
+      <p:sp>
+        <p:nvSpPr>
+          <p:cNvPr id="2" name="Title 1">
+            <a:extLst>
+              <a:ext uri="{FF2B5EF4-FFF2-40B4-BE49-F238E27FC236}">
+                <a16:creationId xmlns:a16="http://schemas.microsoft.com/office/drawing/2014/main" id="{DD4C4E13-1156-FC44-9CAF-7AF107009D02}"/>
+              </a:ext>
+            </a:extLst>
+          </p:cNvPr>
+          <p:cNvSpPr>
+            <a:spLocks noGrp="1"/>
+          </p:cNvSpPr>
+          <p:nvPr>
+            <p:ph type="title"/>
+          </p:nvPr>
+        </p:nvSpPr>
+        <p:spPr/>
+        <p:txBody>
+          <a:bodyPr/>
+          <a:lstStyle/>
+          <a:p>
+            <a:r>
+              <a:rPr lang="en-US" dirty="0"/>
+              <a:t>Questions?</a:t>
+            </a:r>
+          </a:p>
+        </p:txBody>
+      </p:sp>
+      <p:sp>
+        <p:nvSpPr>
+          <p:cNvPr id="3" name="Text Placeholder 2">
+            <a:extLst>
+              <a:ext uri="{FF2B5EF4-FFF2-40B4-BE49-F238E27FC236}">
+                <a16:creationId xmlns:a16="http://schemas.microsoft.com/office/drawing/2014/main" id="{FB0D46E0-E13A-A24D-9234-6FF5CE81AF15}"/>
+              </a:ext>
+            </a:extLst>
+          </p:cNvPr>
+          <p:cNvSpPr>
+            <a:spLocks noGrp="1"/>
+          </p:cNvSpPr>
+          <p:nvPr>
+            <p:ph type="body" idx="1"/>
+          </p:nvPr>
+        </p:nvSpPr>
+        <p:spPr>
+          <a:xfrm>
+            <a:off x="831850" y="4589463"/>
+            <a:ext cx="10515600" cy="1811337"/>
+          </a:xfrm>
+        </p:spPr>
+        <p:txBody>
+          <a:bodyPr>
+            <a:normAutofit/>
+          </a:bodyPr>
+          <a:lstStyle/>
+          <a:p>
+            <a:r>
+              <a:rPr lang="en-US" dirty="0"/>
+              <a:t>If you would like to learn more, Sackler runs </a:t>
+            </a:r>
+            <a:r>
+              <a:rPr lang="en-US"/>
+              <a:t>an excellent </a:t>
+            </a:r>
+            <a:r>
+              <a:rPr lang="en-US" dirty="0"/>
+              <a:t>Machine Learning course that is available at least to grad students. </a:t>
+            </a:r>
+          </a:p>
+          <a:p>
+            <a:r>
+              <a:rPr lang="en-US" dirty="0"/>
+              <a:t>Also this free course on </a:t>
+            </a:r>
+            <a:r>
+              <a:rPr lang="en-US" dirty="0" err="1"/>
+              <a:t>coursera</a:t>
+            </a:r>
+            <a:r>
+              <a:rPr lang="en-US" dirty="0"/>
+              <a:t> is great:</a:t>
+            </a:r>
+          </a:p>
+          <a:p>
+            <a:r>
+              <a:rPr lang="en-US" dirty="0">
+                <a:hlinkClick r:id="rId2"/>
+              </a:rPr>
+              <a:t>https://www.coursera.org/learn/machine-learning</a:t>
+            </a:r>
+            <a:endParaRPr lang="en-US" dirty="0"/>
+          </a:p>
+        </p:txBody>
+      </p:sp>
+    </p:spTree>
+    <p:extLst>
+      <p:ext uri="{BB962C8B-B14F-4D97-AF65-F5344CB8AC3E}">
+        <p14:creationId xmlns:p14="http://schemas.microsoft.com/office/powerpoint/2010/main" val="2066135808"/>
+      </p:ext>
+    </p:extLst>
+  </p:cSld>
+  <p:clrMapOvr>
+    <a:masterClrMapping/>
+  </p:clrMapOvr>
+</p:sld>
+</file>
+
+<file path=ppt/slides/slide3.xml><?xml version="1.0" encoding="utf-8"?>
+<p:sld xmlns:a="http://schemas.openxmlformats.org/drawingml/2006/main" xmlns:r="http://schemas.openxmlformats.org/officeDocument/2006/relationships" xmlns:p="http://schemas.openxmlformats.org/presentationml/2006/main">
+  <p:cSld>
+    <p:spTree>
+      <p:nvGrpSpPr>
+        <p:cNvPr id="1" name=""/>
+        <p:cNvGrpSpPr/>
+        <p:nvPr/>
+      </p:nvGrpSpPr>
+      <p:grpSpPr>
+        <a:xfrm>
+          <a:off x="0" y="0"/>
+          <a:ext cx="0" cy="0"/>
+          <a:chOff x="0" y="0"/>
+          <a:chExt cx="0" cy="0"/>
+        </a:xfrm>
+      </p:grpSpPr>
+      <p:sp>
+        <p:nvSpPr>
+          <p:cNvPr id="6" name="Rectangle 5"/>
+          <p:cNvSpPr/>
+          <p:nvPr/>
+        </p:nvSpPr>
+        <p:spPr>
+          <a:xfrm>
+            <a:off x="1889760" y="137160"/>
+            <a:ext cx="4709944" cy="523220"/>
+          </a:xfrm>
+          <a:prstGeom prst="rect">
+            <a:avLst/>
+          </a:prstGeom>
+        </p:spPr>
+        <p:txBody>
+          <a:bodyPr wrap="none">
+            <a:spAutoFit/>
+          </a:bodyPr>
+          <a:lstStyle/>
+          <a:p>
+            <a:pPr>
+              <a:defRPr/>
+            </a:pPr>
+            <a:r>
+              <a:rPr lang="en-US" sz="2800" b="1" kern="0" dirty="0">
+                <a:solidFill>
+                  <a:schemeClr val="bg1"/>
+                </a:solidFill>
+                <a:latin typeface="Century Gothic" panose="020B0502020202020204" pitchFamily="34" charset="0"/>
+              </a:rPr>
+              <a:t>Kinds of machine learning</a:t>
+            </a:r>
           </a:p>
         </p:txBody>
       </p:sp>
@@ -15565,7 +16723,7 @@
                 <a:buFont typeface="Times New Roman" pitchFamily="18" charset="0"/>
                 <a:buNone/>
               </a:pPr>
-              <a:t>23</a:t>
+              <a:t>3</a:t>
             </a:fld>
             <a:endParaRPr lang="en-GB" altLang="en-US" sz="1200" b="1">
               <a:solidFill>
@@ -15576,33 +16734,140 @@
           </a:p>
         </p:txBody>
       </p:sp>
-      <p:pic>
-        <p:nvPicPr>
-          <p:cNvPr id="10" name="Picture 9"/>
-          <p:cNvPicPr>
-            <a:picLocks noChangeAspect="1"/>
-          </p:cNvPicPr>
+      <p:sp>
+        <p:nvSpPr>
+          <p:cNvPr id="2" name="Rectangle 1"/>
+          <p:cNvSpPr/>
           <p:nvPr/>
-        </p:nvPicPr>
-        <p:blipFill rotWithShape="1">
-          <a:blip r:embed="rId3"/>
-          <a:srcRect l="29024" t="5845" r="16634" b="29549"/>
-          <a:stretch/>
-        </p:blipFill>
+        </p:nvSpPr>
         <p:spPr>
           <a:xfrm>
-            <a:off x="4643120" y="3352801"/>
-            <a:ext cx="3413760" cy="4135413"/>
+            <a:off x="1889760" y="1516064"/>
+            <a:ext cx="7708306" cy="3901837"/>
           </a:xfrm>
           <a:prstGeom prst="rect">
             <a:avLst/>
           </a:prstGeom>
         </p:spPr>
-      </p:pic>
+        <p:txBody>
+          <a:bodyPr wrap="square">
+            <a:spAutoFit/>
+          </a:bodyPr>
+          <a:lstStyle/>
+          <a:p>
+            <a:pPr>
+              <a:lnSpc>
+                <a:spcPct val="150000"/>
+              </a:lnSpc>
+            </a:pPr>
+            <a:r>
+              <a:rPr lang="en-US" sz="2400" dirty="0">
+                <a:latin typeface="Arial" panose="020B0604020202020204" pitchFamily="34" charset="0"/>
+                <a:cs typeface="Arial" panose="020B0604020202020204" pitchFamily="34" charset="0"/>
+              </a:rPr>
+              <a:t>Supervised learning</a:t>
+            </a:r>
+          </a:p>
+          <a:p>
+            <a:pPr marL="342900" indent="-342900">
+              <a:lnSpc>
+                <a:spcPct val="150000"/>
+              </a:lnSpc>
+              <a:buSzPct val="150000"/>
+              <a:buFont typeface="Arial" panose="020B0604020202020204" pitchFamily="34" charset="0"/>
+              <a:buChar char="•"/>
+            </a:pPr>
+            <a:r>
+              <a:rPr lang="en-US" sz="2400" b="1" dirty="0">
+                <a:latin typeface="Arial" panose="020B0604020202020204" pitchFamily="34" charset="0"/>
+                <a:cs typeface="Arial" panose="020B0604020202020204" pitchFamily="34" charset="0"/>
+              </a:rPr>
+              <a:t>Classification (categories/qualitative/discrete)</a:t>
+            </a:r>
+          </a:p>
+          <a:p>
+            <a:pPr marL="342900" indent="-342900">
+              <a:lnSpc>
+                <a:spcPct val="150000"/>
+              </a:lnSpc>
+              <a:buSzPct val="150000"/>
+              <a:buFont typeface="Arial" panose="020B0604020202020204" pitchFamily="34" charset="0"/>
+              <a:buChar char="•"/>
+            </a:pPr>
+            <a:r>
+              <a:rPr lang="en-US" sz="2400" dirty="0">
+                <a:latin typeface="Arial" panose="020B0604020202020204" pitchFamily="34" charset="0"/>
+                <a:cs typeface="Arial" panose="020B0604020202020204" pitchFamily="34" charset="0"/>
+              </a:rPr>
+              <a:t>Regression (continuous/quantitative/floats)</a:t>
+            </a:r>
+          </a:p>
+          <a:p>
+            <a:pPr>
+              <a:lnSpc>
+                <a:spcPct val="150000"/>
+              </a:lnSpc>
+              <a:buSzPct val="150000"/>
+            </a:pPr>
+            <a:endParaRPr lang="en-US" sz="2400" dirty="0">
+              <a:latin typeface="Arial" panose="020B0604020202020204" pitchFamily="34" charset="0"/>
+              <a:cs typeface="Arial" panose="020B0604020202020204" pitchFamily="34" charset="0"/>
+            </a:endParaRPr>
+          </a:p>
+          <a:p>
+            <a:pPr>
+              <a:lnSpc>
+                <a:spcPct val="150000"/>
+              </a:lnSpc>
+            </a:pPr>
+            <a:r>
+              <a:rPr lang="en-US" sz="2400" dirty="0">
+                <a:latin typeface="Arial" panose="020B0604020202020204" pitchFamily="34" charset="0"/>
+                <a:cs typeface="Arial" panose="020B0604020202020204" pitchFamily="34" charset="0"/>
+              </a:rPr>
+              <a:t>Unsupervised learning: Finding the structure in data.</a:t>
+            </a:r>
+          </a:p>
+          <a:p>
+            <a:pPr marL="342900" indent="-342900">
+              <a:lnSpc>
+                <a:spcPct val="150000"/>
+              </a:lnSpc>
+              <a:buSzPct val="150000"/>
+              <a:buFont typeface="Arial" panose="020B0604020202020204" pitchFamily="34" charset="0"/>
+              <a:buChar char="•"/>
+            </a:pPr>
+            <a:r>
+              <a:rPr lang="en-US" sz="2400" dirty="0">
+                <a:latin typeface="Arial" panose="020B0604020202020204" pitchFamily="34" charset="0"/>
+                <a:cs typeface="Arial" panose="020B0604020202020204" pitchFamily="34" charset="0"/>
+              </a:rPr>
+              <a:t>Clustering</a:t>
+            </a:r>
+          </a:p>
+          <a:p>
+            <a:pPr marL="342900" indent="-342900">
+              <a:lnSpc>
+                <a:spcPct val="150000"/>
+              </a:lnSpc>
+              <a:buSzPct val="150000"/>
+              <a:buFont typeface="Arial" panose="020B0604020202020204" pitchFamily="34" charset="0"/>
+              <a:buChar char="•"/>
+            </a:pPr>
+            <a:r>
+              <a:rPr lang="en-US" sz="2400" dirty="0">
+                <a:latin typeface="Arial" panose="020B0604020202020204" pitchFamily="34" charset="0"/>
+                <a:cs typeface="Arial" panose="020B0604020202020204" pitchFamily="34" charset="0"/>
+              </a:rPr>
+              <a:t>Dimension reduction</a:t>
+            </a:r>
+          </a:p>
+        </p:txBody>
+      </p:sp>
     </p:spTree>
     <p:extLst>
       <p:ext uri="{BB962C8B-B14F-4D97-AF65-F5344CB8AC3E}">
-        <p14:creationId xmlns:p14="http://schemas.microsoft.com/office/powerpoint/2010/main" val="569429163"/>
+        <p14:creationId xmlns:p14="http://schemas.microsoft.com/office/powerpoint/2010/main" val="3918584549"/>
       </p:ext>
     </p:extLst>
   </p:cSld>
@@ -15612,810 +16877,7 @@
 </p:sld>
 </file>
 
-<file path=ppt/slides/slide24.xml><?xml version="1.0" encoding="utf-8"?>
-<p:sld xmlns:a="http://schemas.openxmlformats.org/drawingml/2006/main" xmlns:r="http://schemas.openxmlformats.org/officeDocument/2006/relationships" xmlns:p="http://schemas.openxmlformats.org/presentationml/2006/main">
-  <p:cSld>
-    <p:spTree>
-      <p:nvGrpSpPr>
-        <p:cNvPr id="1" name=""/>
-        <p:cNvGrpSpPr/>
-        <p:nvPr/>
-      </p:nvGrpSpPr>
-      <p:grpSpPr>
-        <a:xfrm>
-          <a:off x="0" y="0"/>
-          <a:ext cx="0" cy="0"/>
-          <a:chOff x="0" y="0"/>
-          <a:chExt cx="0" cy="0"/>
-        </a:xfrm>
-      </p:grpSpPr>
-      <p:pic>
-        <p:nvPicPr>
-          <p:cNvPr id="3" name="Picture 2"/>
-          <p:cNvPicPr>
-            <a:picLocks noChangeAspect="1"/>
-          </p:cNvPicPr>
-          <p:nvPr/>
-        </p:nvPicPr>
-        <p:blipFill>
-          <a:blip r:embed="rId2"/>
-          <a:stretch>
-            <a:fillRect/>
-          </a:stretch>
-        </p:blipFill>
-        <p:spPr>
-          <a:xfrm>
-            <a:off x="4458316" y="3011164"/>
-            <a:ext cx="3629012" cy="3544397"/>
-          </a:xfrm>
-          <a:prstGeom prst="rect">
-            <a:avLst/>
-          </a:prstGeom>
-        </p:spPr>
-      </p:pic>
-      <p:sp>
-        <p:nvSpPr>
-          <p:cNvPr id="6" name="Rectangle 5"/>
-          <p:cNvSpPr/>
-          <p:nvPr/>
-        </p:nvSpPr>
-        <p:spPr>
-          <a:xfrm>
-            <a:off x="1889759" y="137160"/>
-            <a:ext cx="3605474" cy="523220"/>
-          </a:xfrm>
-          <a:prstGeom prst="rect">
-            <a:avLst/>
-          </a:prstGeom>
-        </p:spPr>
-        <p:txBody>
-          <a:bodyPr wrap="none">
-            <a:spAutoFit/>
-          </a:bodyPr>
-          <a:lstStyle/>
-          <a:p>
-            <a:pPr>
-              <a:defRPr/>
-            </a:pPr>
-            <a:r>
-              <a:rPr lang="en-US" sz="2800" kern="0" dirty="0">
-                <a:solidFill>
-                  <a:schemeClr val="bg1"/>
-                </a:solidFill>
-                <a:latin typeface="Century Gothic" panose="020B0502020202020204" pitchFamily="34" charset="0"/>
-              </a:rPr>
-              <a:t>Training and Testing</a:t>
-            </a:r>
-            <a:endParaRPr lang="en-US" sz="2800" b="1" kern="0" dirty="0">
-              <a:solidFill>
-                <a:schemeClr val="bg1"/>
-              </a:solidFill>
-              <a:latin typeface="Century Gothic" pitchFamily="34" charset="0"/>
-            </a:endParaRPr>
-          </a:p>
-        </p:txBody>
-      </p:sp>
-      <p:pic>
-        <p:nvPicPr>
-          <p:cNvPr id="8" name="Picture 7"/>
-          <p:cNvPicPr>
-            <a:picLocks noChangeAspect="1"/>
-          </p:cNvPicPr>
-          <p:nvPr/>
-        </p:nvPicPr>
-        <p:blipFill rotWithShape="1">
-          <a:blip r:embed="rId3"/>
-          <a:srcRect l="29712" t="29346" r="17466" b="40021"/>
-          <a:stretch/>
-        </p:blipFill>
-        <p:spPr>
-          <a:xfrm>
-            <a:off x="4675134" y="955561"/>
-            <a:ext cx="3318235" cy="1960775"/>
-          </a:xfrm>
-          <a:prstGeom prst="rect">
-            <a:avLst/>
-          </a:prstGeom>
-        </p:spPr>
-      </p:pic>
-      <p:sp>
-        <p:nvSpPr>
-          <p:cNvPr id="9" name="Rectangle 8"/>
-          <p:cNvSpPr/>
-          <p:nvPr/>
-        </p:nvSpPr>
-        <p:spPr>
-          <a:xfrm>
-            <a:off x="5441622" y="6471126"/>
-            <a:ext cx="3293882" cy="338554"/>
-          </a:xfrm>
-          <a:prstGeom prst="rect">
-            <a:avLst/>
-          </a:prstGeom>
-        </p:spPr>
-        <p:txBody>
-          <a:bodyPr wrap="square">
-            <a:spAutoFit/>
-          </a:bodyPr>
-          <a:lstStyle/>
-          <a:p>
-            <a:r>
-              <a:rPr lang="en-US" sz="1600" b="1" dirty="0">
-                <a:latin typeface="Arial" panose="020B0604020202020204" pitchFamily="34" charset="0"/>
-                <a:cs typeface="Arial" panose="020B0604020202020204" pitchFamily="34" charset="0"/>
-              </a:rPr>
-              <a:t>Degree of polynomial</a:t>
-            </a:r>
-          </a:p>
-        </p:txBody>
-      </p:sp>
-      <p:sp>
-        <p:nvSpPr>
-          <p:cNvPr id="11" name="Rectangle 10"/>
-          <p:cNvSpPr/>
-          <p:nvPr/>
-        </p:nvSpPr>
-        <p:spPr>
-          <a:xfrm rot="-5400000">
-            <a:off x="2663296" y="4016728"/>
-            <a:ext cx="3293882" cy="338554"/>
-          </a:xfrm>
-          <a:prstGeom prst="rect">
-            <a:avLst/>
-          </a:prstGeom>
-        </p:spPr>
-        <p:txBody>
-          <a:bodyPr wrap="square">
-            <a:spAutoFit/>
-          </a:bodyPr>
-          <a:lstStyle/>
-          <a:p>
-            <a:r>
-              <a:rPr lang="en-US" sz="1600" b="1" dirty="0">
-                <a:latin typeface="Arial" panose="020B0604020202020204" pitchFamily="34" charset="0"/>
-                <a:cs typeface="Arial" panose="020B0604020202020204" pitchFamily="34" charset="0"/>
-              </a:rPr>
-              <a:t>Error on Training Set</a:t>
-            </a:r>
-          </a:p>
-        </p:txBody>
-      </p:sp>
-      <p:sp>
-        <p:nvSpPr>
-          <p:cNvPr id="15" name="Rectangle 14"/>
-          <p:cNvSpPr/>
-          <p:nvPr/>
-        </p:nvSpPr>
-        <p:spPr>
-          <a:xfrm>
-            <a:off x="6022908" y="5481611"/>
-            <a:ext cx="2381776" cy="369332"/>
-          </a:xfrm>
-          <a:prstGeom prst="rect">
-            <a:avLst/>
-          </a:prstGeom>
-        </p:spPr>
-        <p:txBody>
-          <a:bodyPr wrap="square">
-            <a:spAutoFit/>
-          </a:bodyPr>
-          <a:lstStyle/>
-          <a:p>
-            <a:pPr>
-              <a:buSzPct val="150000"/>
-            </a:pPr>
-            <a:r>
-              <a:rPr lang="en-US" b="1" dirty="0">
-                <a:latin typeface="Arial" panose="020B0604020202020204" pitchFamily="34" charset="0"/>
-                <a:cs typeface="Arial" panose="020B0604020202020204" pitchFamily="34" charset="0"/>
-              </a:rPr>
-              <a:t>Training Error</a:t>
-            </a:r>
-          </a:p>
-        </p:txBody>
-      </p:sp>
-      <p:sp>
-        <p:nvSpPr>
-          <p:cNvPr id="10" name="Rectangle 9"/>
-          <p:cNvSpPr/>
-          <p:nvPr/>
-        </p:nvSpPr>
-        <p:spPr>
-          <a:xfrm>
-            <a:off x="6187156" y="3420926"/>
-            <a:ext cx="2381776" cy="369332"/>
-          </a:xfrm>
-          <a:prstGeom prst="rect">
-            <a:avLst/>
-          </a:prstGeom>
-        </p:spPr>
-        <p:txBody>
-          <a:bodyPr wrap="square">
-            <a:spAutoFit/>
-          </a:bodyPr>
-          <a:lstStyle/>
-          <a:p>
-            <a:pPr>
-              <a:buSzPct val="150000"/>
-            </a:pPr>
-            <a:r>
-              <a:rPr lang="en-US" b="1" dirty="0">
-                <a:solidFill>
-                  <a:srgbClr val="C00000"/>
-                </a:solidFill>
-                <a:latin typeface="Arial" panose="020B0604020202020204" pitchFamily="34" charset="0"/>
-                <a:cs typeface="Arial" panose="020B0604020202020204" pitchFamily="34" charset="0"/>
-              </a:rPr>
-              <a:t>Testing Error</a:t>
-            </a:r>
-          </a:p>
-        </p:txBody>
-      </p:sp>
-    </p:spTree>
-    <p:extLst>
-      <p:ext uri="{BB962C8B-B14F-4D97-AF65-F5344CB8AC3E}">
-        <p14:creationId xmlns:p14="http://schemas.microsoft.com/office/powerpoint/2010/main" val="1008435153"/>
-      </p:ext>
-    </p:extLst>
-  </p:cSld>
-  <p:clrMapOvr>
-    <a:masterClrMapping/>
-  </p:clrMapOvr>
-</p:sld>
-</file>
-
-<file path=ppt/slides/slide25.xml><?xml version="1.0" encoding="utf-8"?>
-<p:sld xmlns:a="http://schemas.openxmlformats.org/drawingml/2006/main" xmlns:r="http://schemas.openxmlformats.org/officeDocument/2006/relationships" xmlns:p="http://schemas.openxmlformats.org/presentationml/2006/main">
-  <p:cSld>
-    <p:spTree>
-      <p:nvGrpSpPr>
-        <p:cNvPr id="1" name=""/>
-        <p:cNvGrpSpPr/>
-        <p:nvPr/>
-      </p:nvGrpSpPr>
-      <p:grpSpPr>
-        <a:xfrm>
-          <a:off x="0" y="0"/>
-          <a:ext cx="0" cy="0"/>
-          <a:chOff x="0" y="0"/>
-          <a:chExt cx="0" cy="0"/>
-        </a:xfrm>
-      </p:grpSpPr>
-      <p:pic>
-        <p:nvPicPr>
-          <p:cNvPr id="12" name="Picture 11"/>
-          <p:cNvPicPr>
-            <a:picLocks noChangeAspect="1"/>
-          </p:cNvPicPr>
-          <p:nvPr/>
-        </p:nvPicPr>
-        <p:blipFill>
-          <a:blip r:embed="rId2"/>
-          <a:stretch>
-            <a:fillRect/>
-          </a:stretch>
-        </p:blipFill>
-        <p:spPr>
-          <a:xfrm>
-            <a:off x="4434472" y="3182452"/>
-            <a:ext cx="3505369" cy="3414791"/>
-          </a:xfrm>
-          <a:prstGeom prst="rect">
-            <a:avLst/>
-          </a:prstGeom>
-        </p:spPr>
-      </p:pic>
-      <p:sp>
-        <p:nvSpPr>
-          <p:cNvPr id="6" name="Rectangle 5"/>
-          <p:cNvSpPr/>
-          <p:nvPr/>
-        </p:nvSpPr>
-        <p:spPr>
-          <a:xfrm>
-            <a:off x="1889759" y="137160"/>
-            <a:ext cx="3605474" cy="523220"/>
-          </a:xfrm>
-          <a:prstGeom prst="rect">
-            <a:avLst/>
-          </a:prstGeom>
-        </p:spPr>
-        <p:txBody>
-          <a:bodyPr wrap="none">
-            <a:spAutoFit/>
-          </a:bodyPr>
-          <a:lstStyle/>
-          <a:p>
-            <a:pPr>
-              <a:defRPr/>
-            </a:pPr>
-            <a:r>
-              <a:rPr lang="en-US" sz="2800" kern="0" dirty="0">
-                <a:solidFill>
-                  <a:schemeClr val="bg1"/>
-                </a:solidFill>
-                <a:latin typeface="Century Gothic" panose="020B0502020202020204" pitchFamily="34" charset="0"/>
-              </a:rPr>
-              <a:t>Training and Testing</a:t>
-            </a:r>
-            <a:endParaRPr lang="en-US" sz="2800" b="1" kern="0" dirty="0">
-              <a:solidFill>
-                <a:schemeClr val="bg1"/>
-              </a:solidFill>
-              <a:latin typeface="Century Gothic" pitchFamily="34" charset="0"/>
-            </a:endParaRPr>
-          </a:p>
-        </p:txBody>
-      </p:sp>
-      <p:sp>
-        <p:nvSpPr>
-          <p:cNvPr id="9" name="Rectangle 8"/>
-          <p:cNvSpPr/>
-          <p:nvPr/>
-        </p:nvSpPr>
-        <p:spPr>
-          <a:xfrm>
-            <a:off x="5441622" y="6471126"/>
-            <a:ext cx="3293882" cy="338554"/>
-          </a:xfrm>
-          <a:prstGeom prst="rect">
-            <a:avLst/>
-          </a:prstGeom>
-        </p:spPr>
-        <p:txBody>
-          <a:bodyPr wrap="square">
-            <a:spAutoFit/>
-          </a:bodyPr>
-          <a:lstStyle/>
-          <a:p>
-            <a:r>
-              <a:rPr lang="en-US" sz="1600" b="1" dirty="0">
-                <a:latin typeface="Arial" panose="020B0604020202020204" pitchFamily="34" charset="0"/>
-                <a:cs typeface="Arial" panose="020B0604020202020204" pitchFamily="34" charset="0"/>
-              </a:rPr>
-              <a:t>Degree of polynomial</a:t>
-            </a:r>
-          </a:p>
-        </p:txBody>
-      </p:sp>
-      <p:sp>
-        <p:nvSpPr>
-          <p:cNvPr id="11" name="Rectangle 10"/>
-          <p:cNvSpPr/>
-          <p:nvPr/>
-        </p:nvSpPr>
-        <p:spPr>
-          <a:xfrm rot="-5400000">
-            <a:off x="2663296" y="4016728"/>
-            <a:ext cx="3293882" cy="338554"/>
-          </a:xfrm>
-          <a:prstGeom prst="rect">
-            <a:avLst/>
-          </a:prstGeom>
-        </p:spPr>
-        <p:txBody>
-          <a:bodyPr wrap="square">
-            <a:spAutoFit/>
-          </a:bodyPr>
-          <a:lstStyle/>
-          <a:p>
-            <a:r>
-              <a:rPr lang="en-US" sz="1600" b="1" dirty="0">
-                <a:latin typeface="Arial" panose="020B0604020202020204" pitchFamily="34" charset="0"/>
-                <a:cs typeface="Arial" panose="020B0604020202020204" pitchFamily="34" charset="0"/>
-              </a:rPr>
-              <a:t>Error on Training Set</a:t>
-            </a:r>
-          </a:p>
-        </p:txBody>
-      </p:sp>
-      <p:sp>
-        <p:nvSpPr>
-          <p:cNvPr id="15" name="Rectangle 14"/>
-          <p:cNvSpPr/>
-          <p:nvPr/>
-        </p:nvSpPr>
-        <p:spPr>
-          <a:xfrm>
-            <a:off x="6671128" y="5506007"/>
-            <a:ext cx="1190888" cy="646331"/>
-          </a:xfrm>
-          <a:prstGeom prst="rect">
-            <a:avLst/>
-          </a:prstGeom>
-        </p:spPr>
-        <p:txBody>
-          <a:bodyPr wrap="square">
-            <a:spAutoFit/>
-          </a:bodyPr>
-          <a:lstStyle/>
-          <a:p>
-            <a:pPr algn="ctr">
-              <a:buSzPct val="150000"/>
-            </a:pPr>
-            <a:r>
-              <a:rPr lang="en-US" b="1" dirty="0">
-                <a:latin typeface="Arial" panose="020B0604020202020204" pitchFamily="34" charset="0"/>
-                <a:cs typeface="Arial" panose="020B0604020202020204" pitchFamily="34" charset="0"/>
-              </a:rPr>
-              <a:t>Training</a:t>
-            </a:r>
-          </a:p>
-          <a:p>
-            <a:pPr algn="ctr">
-              <a:buSzPct val="150000"/>
-            </a:pPr>
-            <a:r>
-              <a:rPr lang="en-US" b="1" dirty="0">
-                <a:latin typeface="Arial" panose="020B0604020202020204" pitchFamily="34" charset="0"/>
-                <a:cs typeface="Arial" panose="020B0604020202020204" pitchFamily="34" charset="0"/>
-              </a:rPr>
-              <a:t>Error</a:t>
-            </a:r>
-          </a:p>
-        </p:txBody>
-      </p:sp>
-      <p:sp>
-        <p:nvSpPr>
-          <p:cNvPr id="10" name="Rectangle 9"/>
-          <p:cNvSpPr/>
-          <p:nvPr/>
-        </p:nvSpPr>
-        <p:spPr>
-          <a:xfrm>
-            <a:off x="6639938" y="3538504"/>
-            <a:ext cx="1222078" cy="646331"/>
-          </a:xfrm>
-          <a:prstGeom prst="rect">
-            <a:avLst/>
-          </a:prstGeom>
-        </p:spPr>
-        <p:txBody>
-          <a:bodyPr wrap="square">
-            <a:spAutoFit/>
-          </a:bodyPr>
-          <a:lstStyle/>
-          <a:p>
-            <a:pPr algn="ctr">
-              <a:buSzPct val="150000"/>
-            </a:pPr>
-            <a:r>
-              <a:rPr lang="en-US" b="1" dirty="0">
-                <a:solidFill>
-                  <a:srgbClr val="C00000"/>
-                </a:solidFill>
-                <a:latin typeface="Arial" panose="020B0604020202020204" pitchFamily="34" charset="0"/>
-                <a:cs typeface="Arial" panose="020B0604020202020204" pitchFamily="34" charset="0"/>
-              </a:rPr>
-              <a:t>Testing</a:t>
-            </a:r>
-          </a:p>
-          <a:p>
-            <a:pPr algn="ctr">
-              <a:buSzPct val="150000"/>
-            </a:pPr>
-            <a:r>
-              <a:rPr lang="en-US" b="1" dirty="0">
-                <a:solidFill>
-                  <a:srgbClr val="C00000"/>
-                </a:solidFill>
-                <a:latin typeface="Arial" panose="020B0604020202020204" pitchFamily="34" charset="0"/>
-                <a:cs typeface="Arial" panose="020B0604020202020204" pitchFamily="34" charset="0"/>
-              </a:rPr>
-              <a:t>Error</a:t>
-            </a:r>
-          </a:p>
-        </p:txBody>
-      </p:sp>
-      <p:pic>
-        <p:nvPicPr>
-          <p:cNvPr id="4" name="Picture 3"/>
-          <p:cNvPicPr>
-            <a:picLocks noChangeAspect="1"/>
-          </p:cNvPicPr>
-          <p:nvPr/>
-        </p:nvPicPr>
-        <p:blipFill rotWithShape="1">
-          <a:blip r:embed="rId3"/>
-          <a:srcRect l="18908" t="5270" r="12144" b="20139"/>
-          <a:stretch/>
-        </p:blipFill>
-        <p:spPr>
-          <a:xfrm>
-            <a:off x="4981227" y="753864"/>
-            <a:ext cx="2236657" cy="2370208"/>
-          </a:xfrm>
-          <a:prstGeom prst="rect">
-            <a:avLst/>
-          </a:prstGeom>
-        </p:spPr>
-      </p:pic>
-    </p:spTree>
-    <p:extLst>
-      <p:ext uri="{BB962C8B-B14F-4D97-AF65-F5344CB8AC3E}">
-        <p14:creationId xmlns:p14="http://schemas.microsoft.com/office/powerpoint/2010/main" val="3776072246"/>
-      </p:ext>
-    </p:extLst>
-  </p:cSld>
-  <p:clrMapOvr>
-    <a:masterClrMapping/>
-  </p:clrMapOvr>
-  <p:timing>
-    <p:tnLst>
-      <p:par>
-        <p:cTn id="1" dur="indefinite" restart="never" nodeType="tmRoot">
-          <p:childTnLst>
-            <p:seq concurrent="1" nextAc="seek">
-              <p:cTn id="2" dur="indefinite" nodeType="mainSeq">
-                <p:childTnLst>
-                  <p:par>
-                    <p:cTn id="3" fill="hold">
-                      <p:stCondLst>
-                        <p:cond delay="indefinite"/>
-                      </p:stCondLst>
-                      <p:childTnLst>
-                        <p:par>
-                          <p:cTn id="4" fill="hold">
-                            <p:stCondLst>
-                              <p:cond delay="0"/>
-                            </p:stCondLst>
-                            <p:childTnLst>
-                              <p:par>
-                                <p:cTn id="5" presetID="1" presetClass="entr" presetSubtype="0" fill="hold" nodeType="clickEffect">
-                                  <p:stCondLst>
-                                    <p:cond delay="0"/>
-                                  </p:stCondLst>
-                                  <p:childTnLst>
-                                    <p:set>
-                                      <p:cBhvr>
-                                        <p:cTn id="6" dur="1" fill="hold">
-                                          <p:stCondLst>
-                                            <p:cond delay="0"/>
-                                          </p:stCondLst>
-                                        </p:cTn>
-                                        <p:tgtEl>
-                                          <p:spTgt spid="12"/>
-                                        </p:tgtEl>
-                                        <p:attrNameLst>
-                                          <p:attrName>style.visibility</p:attrName>
-                                        </p:attrNameLst>
-                                      </p:cBhvr>
-                                      <p:to>
-                                        <p:strVal val="visible"/>
-                                      </p:to>
-                                    </p:set>
-                                  </p:childTnLst>
-                                </p:cTn>
-                              </p:par>
-                              <p:par>
-                                <p:cTn id="7" presetID="1" presetClass="entr" presetSubtype="0" fill="hold" grpId="0" nodeType="withEffect">
-                                  <p:stCondLst>
-                                    <p:cond delay="0"/>
-                                  </p:stCondLst>
-                                  <p:childTnLst>
-                                    <p:set>
-                                      <p:cBhvr>
-                                        <p:cTn id="8" dur="1" fill="hold">
-                                          <p:stCondLst>
-                                            <p:cond delay="0"/>
-                                          </p:stCondLst>
-                                        </p:cTn>
-                                        <p:tgtEl>
-                                          <p:spTgt spid="9"/>
-                                        </p:tgtEl>
-                                        <p:attrNameLst>
-                                          <p:attrName>style.visibility</p:attrName>
-                                        </p:attrNameLst>
-                                      </p:cBhvr>
-                                      <p:to>
-                                        <p:strVal val="visible"/>
-                                      </p:to>
-                                    </p:set>
-                                  </p:childTnLst>
-                                </p:cTn>
-                              </p:par>
-                              <p:par>
-                                <p:cTn id="9" presetID="1" presetClass="entr" presetSubtype="0" fill="hold" grpId="0" nodeType="withEffect">
-                                  <p:stCondLst>
-                                    <p:cond delay="0"/>
-                                  </p:stCondLst>
-                                  <p:childTnLst>
-                                    <p:set>
-                                      <p:cBhvr>
-                                        <p:cTn id="10" dur="1" fill="hold">
-                                          <p:stCondLst>
-                                            <p:cond delay="0"/>
-                                          </p:stCondLst>
-                                        </p:cTn>
-                                        <p:tgtEl>
-                                          <p:spTgt spid="15"/>
-                                        </p:tgtEl>
-                                        <p:attrNameLst>
-                                          <p:attrName>style.visibility</p:attrName>
-                                        </p:attrNameLst>
-                                      </p:cBhvr>
-                                      <p:to>
-                                        <p:strVal val="visible"/>
-                                      </p:to>
-                                    </p:set>
-                                  </p:childTnLst>
-                                </p:cTn>
-                              </p:par>
-                              <p:par>
-                                <p:cTn id="11" presetID="1" presetClass="entr" presetSubtype="0" fill="hold" grpId="0" nodeType="withEffect">
-                                  <p:stCondLst>
-                                    <p:cond delay="0"/>
-                                  </p:stCondLst>
-                                  <p:childTnLst>
-                                    <p:set>
-                                      <p:cBhvr>
-                                        <p:cTn id="12" dur="1" fill="hold">
-                                          <p:stCondLst>
-                                            <p:cond delay="0"/>
-                                          </p:stCondLst>
-                                        </p:cTn>
-                                        <p:tgtEl>
-                                          <p:spTgt spid="10"/>
-                                        </p:tgtEl>
-                                        <p:attrNameLst>
-                                          <p:attrName>style.visibility</p:attrName>
-                                        </p:attrNameLst>
-                                      </p:cBhvr>
-                                      <p:to>
-                                        <p:strVal val="visible"/>
-                                      </p:to>
-                                    </p:set>
-                                  </p:childTnLst>
-                                </p:cTn>
-                              </p:par>
-                              <p:par>
-                                <p:cTn id="13" presetID="1" presetClass="entr" presetSubtype="0" fill="hold" grpId="0" nodeType="withEffect">
-                                  <p:stCondLst>
-                                    <p:cond delay="0"/>
-                                  </p:stCondLst>
-                                  <p:childTnLst>
-                                    <p:set>
-                                      <p:cBhvr>
-                                        <p:cTn id="14" dur="1" fill="hold">
-                                          <p:stCondLst>
-                                            <p:cond delay="0"/>
-                                          </p:stCondLst>
-                                        </p:cTn>
-                                        <p:tgtEl>
-                                          <p:spTgt spid="11"/>
-                                        </p:tgtEl>
-                                        <p:attrNameLst>
-                                          <p:attrName>style.visibility</p:attrName>
-                                        </p:attrNameLst>
-                                      </p:cBhvr>
-                                      <p:to>
-                                        <p:strVal val="visible"/>
-                                      </p:to>
-                                    </p:set>
-                                  </p:childTnLst>
-                                </p:cTn>
-                              </p:par>
-                            </p:childTnLst>
-                          </p:cTn>
-                        </p:par>
-                      </p:childTnLst>
-                    </p:cTn>
-                  </p:par>
-                </p:childTnLst>
-              </p:cTn>
-              <p:prevCondLst>
-                <p:cond evt="onPrev" delay="0">
-                  <p:tgtEl>
-                    <p:sldTgt/>
-                  </p:tgtEl>
-                </p:cond>
-              </p:prevCondLst>
-              <p:nextCondLst>
-                <p:cond evt="onNext" delay="0">
-                  <p:tgtEl>
-                    <p:sldTgt/>
-                  </p:tgtEl>
-                </p:cond>
-              </p:nextCondLst>
-            </p:seq>
-          </p:childTnLst>
-        </p:cTn>
-      </p:par>
-    </p:tnLst>
-    <p:bldLst>
-      <p:bldP spid="9" grpId="0"/>
-      <p:bldP spid="11" grpId="0"/>
-      <p:bldP spid="15" grpId="0"/>
-      <p:bldP spid="10" grpId="0"/>
-    </p:bldLst>
-  </p:timing>
-</p:sld>
-</file>
-
-<file path=ppt/slides/slide26.xml><?xml version="1.0" encoding="utf-8"?>
-<p:sld xmlns:a="http://schemas.openxmlformats.org/drawingml/2006/main" xmlns:r="http://schemas.openxmlformats.org/officeDocument/2006/relationships" xmlns:p="http://schemas.openxmlformats.org/presentationml/2006/main">
-  <p:cSld>
-    <p:spTree>
-      <p:nvGrpSpPr>
-        <p:cNvPr id="1" name=""/>
-        <p:cNvGrpSpPr/>
-        <p:nvPr/>
-      </p:nvGrpSpPr>
-      <p:grpSpPr>
-        <a:xfrm>
-          <a:off x="0" y="0"/>
-          <a:ext cx="0" cy="0"/>
-          <a:chOff x="0" y="0"/>
-          <a:chExt cx="0" cy="0"/>
-        </a:xfrm>
-      </p:grpSpPr>
-      <p:sp>
-        <p:nvSpPr>
-          <p:cNvPr id="2" name="Title 1">
-            <a:extLst>
-              <a:ext uri="{FF2B5EF4-FFF2-40B4-BE49-F238E27FC236}">
-                <a16:creationId xmlns:a16="http://schemas.microsoft.com/office/drawing/2014/main" id="{DD4C4E13-1156-FC44-9CAF-7AF107009D02}"/>
-              </a:ext>
-            </a:extLst>
-          </p:cNvPr>
-          <p:cNvSpPr>
-            <a:spLocks noGrp="1"/>
-          </p:cNvSpPr>
-          <p:nvPr>
-            <p:ph type="title"/>
-          </p:nvPr>
-        </p:nvSpPr>
-        <p:spPr/>
-        <p:txBody>
-          <a:bodyPr/>
-          <a:lstStyle/>
-          <a:p>
-            <a:r>
-              <a:rPr lang="en-US" dirty="0"/>
-              <a:t>Questions?</a:t>
-            </a:r>
-          </a:p>
-        </p:txBody>
-      </p:sp>
-      <p:sp>
-        <p:nvSpPr>
-          <p:cNvPr id="3" name="Text Placeholder 2">
-            <a:extLst>
-              <a:ext uri="{FF2B5EF4-FFF2-40B4-BE49-F238E27FC236}">
-                <a16:creationId xmlns:a16="http://schemas.microsoft.com/office/drawing/2014/main" id="{FB0D46E0-E13A-A24D-9234-6FF5CE81AF15}"/>
-              </a:ext>
-            </a:extLst>
-          </p:cNvPr>
-          <p:cNvSpPr>
-            <a:spLocks noGrp="1"/>
-          </p:cNvSpPr>
-          <p:nvPr>
-            <p:ph type="body" idx="1"/>
-          </p:nvPr>
-        </p:nvSpPr>
-        <p:spPr/>
-        <p:txBody>
-          <a:bodyPr/>
-          <a:lstStyle/>
-          <a:p>
-            <a:endParaRPr lang="en-US"/>
-          </a:p>
-        </p:txBody>
-      </p:sp>
-    </p:spTree>
-    <p:extLst>
-      <p:ext uri="{BB962C8B-B14F-4D97-AF65-F5344CB8AC3E}">
-        <p14:creationId xmlns:p14="http://schemas.microsoft.com/office/powerpoint/2010/main" val="2066135808"/>
-      </p:ext>
-    </p:extLst>
-  </p:cSld>
-  <p:clrMapOvr>
-    <a:masterClrMapping/>
-  </p:clrMapOvr>
-</p:sld>
-</file>
-
-<file path=ppt/slides/slide3.xml><?xml version="1.0" encoding="utf-8"?>
+<file path=ppt/slides/slide4.xml><?xml version="1.0" encoding="utf-8"?>
 <p:sld xmlns:a="http://schemas.openxmlformats.org/drawingml/2006/main" xmlns:r="http://schemas.openxmlformats.org/officeDocument/2006/relationships" xmlns:p="http://schemas.openxmlformats.org/presentationml/2006/main">
   <p:cSld>
     <p:spTree>
@@ -17073,7 +17535,7 @@
 </p:sld>
 </file>
 
-<file path=ppt/slides/slide4.xml><?xml version="1.0" encoding="utf-8"?>
+<file path=ppt/slides/slide5.xml><?xml version="1.0" encoding="utf-8"?>
 <p:sld xmlns:a="http://schemas.openxmlformats.org/drawingml/2006/main" xmlns:r="http://schemas.openxmlformats.org/officeDocument/2006/relationships" xmlns:p="http://schemas.openxmlformats.org/presentationml/2006/main">
   <p:cSld>
     <p:spTree>
@@ -17539,7 +18001,7 @@
                 <a:buFont typeface="Times New Roman" pitchFamily="18" charset="0"/>
                 <a:buNone/>
               </a:pPr>
-              <a:t>4</a:t>
+              <a:t>5</a:t>
             </a:fld>
             <a:endParaRPr lang="en-GB" altLang="en-US" sz="1200" b="1">
               <a:solidFill>
@@ -17684,6 +18146,334 @@
           </a:fontRef>
         </p:style>
       </p:cxnSp>
+      <p:cxnSp>
+        <p:nvCxnSpPr>
+          <p:cNvPr id="3" name="Straight Connector 2">
+            <a:extLst>
+              <a:ext uri="{FF2B5EF4-FFF2-40B4-BE49-F238E27FC236}">
+                <a16:creationId xmlns:a16="http://schemas.microsoft.com/office/drawing/2014/main" id="{8C5CEEF5-1729-0A4A-91FA-087DEC75A6AD}"/>
+              </a:ext>
+            </a:extLst>
+          </p:cNvPr>
+          <p:cNvCxnSpPr>
+            <a:cxnSpLocks/>
+          </p:cNvCxnSpPr>
+          <p:nvPr/>
+        </p:nvCxnSpPr>
+        <p:spPr>
+          <a:xfrm flipH="1" flipV="1">
+            <a:off x="7073153" y="3052482"/>
+            <a:ext cx="1" cy="188260"/>
+          </a:xfrm>
+          <a:prstGeom prst="line">
+            <a:avLst/>
+          </a:prstGeom>
+          <a:ln w="28575">
+            <a:solidFill>
+              <a:srgbClr val="7030A0"/>
+            </a:solidFill>
+          </a:ln>
+        </p:spPr>
+        <p:style>
+          <a:lnRef idx="1">
+            <a:schemeClr val="accent1"/>
+          </a:lnRef>
+          <a:fillRef idx="0">
+            <a:schemeClr val="accent1"/>
+          </a:fillRef>
+          <a:effectRef idx="0">
+            <a:schemeClr val="accent1"/>
+          </a:effectRef>
+          <a:fontRef idx="minor">
+            <a:schemeClr val="tx1"/>
+          </a:fontRef>
+        </p:style>
+      </p:cxnSp>
+      <p:cxnSp>
+        <p:nvCxnSpPr>
+          <p:cNvPr id="14" name="Straight Connector 13">
+            <a:extLst>
+              <a:ext uri="{FF2B5EF4-FFF2-40B4-BE49-F238E27FC236}">
+                <a16:creationId xmlns:a16="http://schemas.microsoft.com/office/drawing/2014/main" id="{C926159E-7BB3-524E-8C93-7FE03A84B137}"/>
+              </a:ext>
+            </a:extLst>
+          </p:cNvPr>
+          <p:cNvCxnSpPr>
+            <a:cxnSpLocks/>
+          </p:cNvCxnSpPr>
+          <p:nvPr/>
+        </p:nvCxnSpPr>
+        <p:spPr>
+          <a:xfrm flipV="1">
+            <a:off x="6691109" y="3240741"/>
+            <a:ext cx="0" cy="497542"/>
+          </a:xfrm>
+          <a:prstGeom prst="line">
+            <a:avLst/>
+          </a:prstGeom>
+          <a:ln w="28575">
+            <a:solidFill>
+              <a:srgbClr val="7030A0"/>
+            </a:solidFill>
+          </a:ln>
+        </p:spPr>
+        <p:style>
+          <a:lnRef idx="1">
+            <a:schemeClr val="accent1"/>
+          </a:lnRef>
+          <a:fillRef idx="0">
+            <a:schemeClr val="accent1"/>
+          </a:fillRef>
+          <a:effectRef idx="0">
+            <a:schemeClr val="accent1"/>
+          </a:effectRef>
+          <a:fontRef idx="minor">
+            <a:schemeClr val="tx1"/>
+          </a:fontRef>
+        </p:style>
+      </p:cxnSp>
+      <p:cxnSp>
+        <p:nvCxnSpPr>
+          <p:cNvPr id="15" name="Straight Connector 14">
+            <a:extLst>
+              <a:ext uri="{FF2B5EF4-FFF2-40B4-BE49-F238E27FC236}">
+                <a16:creationId xmlns:a16="http://schemas.microsoft.com/office/drawing/2014/main" id="{A9C0D022-3F90-4449-9398-51D0C67DFBF8}"/>
+              </a:ext>
+            </a:extLst>
+          </p:cNvPr>
+          <p:cNvCxnSpPr>
+            <a:cxnSpLocks/>
+          </p:cNvCxnSpPr>
+          <p:nvPr/>
+        </p:nvCxnSpPr>
+        <p:spPr>
+          <a:xfrm flipV="1">
+            <a:off x="6095999" y="3320400"/>
+            <a:ext cx="0" cy="312866"/>
+          </a:xfrm>
+          <a:prstGeom prst="line">
+            <a:avLst/>
+          </a:prstGeom>
+          <a:ln w="28575">
+            <a:solidFill>
+              <a:srgbClr val="7030A0"/>
+            </a:solidFill>
+          </a:ln>
+        </p:spPr>
+        <p:style>
+          <a:lnRef idx="1">
+            <a:schemeClr val="accent1"/>
+          </a:lnRef>
+          <a:fillRef idx="0">
+            <a:schemeClr val="accent1"/>
+          </a:fillRef>
+          <a:effectRef idx="0">
+            <a:schemeClr val="accent1"/>
+          </a:effectRef>
+          <a:fontRef idx="minor">
+            <a:schemeClr val="tx1"/>
+          </a:fontRef>
+        </p:style>
+      </p:cxnSp>
+      <p:cxnSp>
+        <p:nvCxnSpPr>
+          <p:cNvPr id="18" name="Straight Connector 17">
+            <a:extLst>
+              <a:ext uri="{FF2B5EF4-FFF2-40B4-BE49-F238E27FC236}">
+                <a16:creationId xmlns:a16="http://schemas.microsoft.com/office/drawing/2014/main" id="{604BE9AB-5CC0-754F-B6FE-CD9464102099}"/>
+              </a:ext>
+            </a:extLst>
+          </p:cNvPr>
+          <p:cNvCxnSpPr>
+            <a:cxnSpLocks/>
+          </p:cNvCxnSpPr>
+          <p:nvPr/>
+        </p:nvCxnSpPr>
+        <p:spPr>
+          <a:xfrm flipV="1">
+            <a:off x="4710285" y="4010682"/>
+            <a:ext cx="0" cy="426847"/>
+          </a:xfrm>
+          <a:prstGeom prst="line">
+            <a:avLst/>
+          </a:prstGeom>
+          <a:ln w="28575">
+            <a:solidFill>
+              <a:srgbClr val="7030A0"/>
+            </a:solidFill>
+          </a:ln>
+        </p:spPr>
+        <p:style>
+          <a:lnRef idx="1">
+            <a:schemeClr val="accent1"/>
+          </a:lnRef>
+          <a:fillRef idx="0">
+            <a:schemeClr val="accent1"/>
+          </a:fillRef>
+          <a:effectRef idx="0">
+            <a:schemeClr val="accent1"/>
+          </a:effectRef>
+          <a:fontRef idx="minor">
+            <a:schemeClr val="tx1"/>
+          </a:fontRef>
+        </p:style>
+      </p:cxnSp>
+      <p:cxnSp>
+        <p:nvCxnSpPr>
+          <p:cNvPr id="20" name="Straight Connector 19">
+            <a:extLst>
+              <a:ext uri="{FF2B5EF4-FFF2-40B4-BE49-F238E27FC236}">
+                <a16:creationId xmlns:a16="http://schemas.microsoft.com/office/drawing/2014/main" id="{1E5423A9-D398-3947-8E88-F9F3BBA458DF}"/>
+              </a:ext>
+            </a:extLst>
+          </p:cNvPr>
+          <p:cNvCxnSpPr>
+            <a:cxnSpLocks/>
+          </p:cNvCxnSpPr>
+          <p:nvPr/>
+        </p:nvCxnSpPr>
+        <p:spPr>
+          <a:xfrm flipV="1">
+            <a:off x="8910920" y="3084308"/>
+            <a:ext cx="0" cy="312866"/>
+          </a:xfrm>
+          <a:prstGeom prst="line">
+            <a:avLst/>
+          </a:prstGeom>
+          <a:ln w="28575">
+            <a:solidFill>
+              <a:srgbClr val="7030A0"/>
+            </a:solidFill>
+          </a:ln>
+        </p:spPr>
+        <p:style>
+          <a:lnRef idx="1">
+            <a:schemeClr val="accent1"/>
+          </a:lnRef>
+          <a:fillRef idx="0">
+            <a:schemeClr val="accent1"/>
+          </a:fillRef>
+          <a:effectRef idx="0">
+            <a:schemeClr val="accent1"/>
+          </a:effectRef>
+          <a:fontRef idx="minor">
+            <a:schemeClr val="tx1"/>
+          </a:fontRef>
+        </p:style>
+      </p:cxnSp>
+      <p:sp>
+        <p:nvSpPr>
+          <p:cNvPr id="21" name="TextBox 20">
+            <a:extLst>
+              <a:ext uri="{FF2B5EF4-FFF2-40B4-BE49-F238E27FC236}">
+                <a16:creationId xmlns:a16="http://schemas.microsoft.com/office/drawing/2014/main" id="{405A8FFB-241F-2249-8281-5481784AB306}"/>
+              </a:ext>
+            </a:extLst>
+          </p:cNvPr>
+          <p:cNvSpPr txBox="1"/>
+          <p:nvPr/>
+        </p:nvSpPr>
+        <p:spPr>
+          <a:xfrm>
+            <a:off x="8921275" y="3027842"/>
+            <a:ext cx="3352200" cy="369332"/>
+          </a:xfrm>
+          <a:prstGeom prst="rect">
+            <a:avLst/>
+          </a:prstGeom>
+          <a:noFill/>
+        </p:spPr>
+        <p:txBody>
+          <a:bodyPr wrap="none" rtlCol="0">
+            <a:spAutoFit/>
+          </a:bodyPr>
+          <a:lstStyle/>
+          <a:p>
+            <a:r>
+              <a:rPr lang="en-US" dirty="0"/>
+              <a:t>Error for each training example</a:t>
+            </a:r>
+          </a:p>
+        </p:txBody>
+      </p:sp>
+      <p:cxnSp>
+        <p:nvCxnSpPr>
+          <p:cNvPr id="22" name="Straight Connector 21">
+            <a:extLst>
+              <a:ext uri="{FF2B5EF4-FFF2-40B4-BE49-F238E27FC236}">
+                <a16:creationId xmlns:a16="http://schemas.microsoft.com/office/drawing/2014/main" id="{8AFFF633-C312-9D4F-953E-413F0E55C8A0}"/>
+              </a:ext>
+            </a:extLst>
+          </p:cNvPr>
+          <p:cNvCxnSpPr>
+            <a:cxnSpLocks/>
+          </p:cNvCxnSpPr>
+          <p:nvPr/>
+        </p:nvCxnSpPr>
+        <p:spPr>
+          <a:xfrm flipV="1">
+            <a:off x="8897475" y="2500928"/>
+            <a:ext cx="0" cy="312866"/>
+          </a:xfrm>
+          <a:prstGeom prst="line">
+            <a:avLst/>
+          </a:prstGeom>
+          <a:ln w="28575">
+            <a:solidFill>
+              <a:srgbClr val="C00000"/>
+            </a:solidFill>
+          </a:ln>
+        </p:spPr>
+        <p:style>
+          <a:lnRef idx="1">
+            <a:schemeClr val="accent1"/>
+          </a:lnRef>
+          <a:fillRef idx="0">
+            <a:schemeClr val="accent1"/>
+          </a:fillRef>
+          <a:effectRef idx="0">
+            <a:schemeClr val="accent1"/>
+          </a:effectRef>
+          <a:fontRef idx="minor">
+            <a:schemeClr val="tx1"/>
+          </a:fontRef>
+        </p:style>
+      </p:cxnSp>
+      <p:sp>
+        <p:nvSpPr>
+          <p:cNvPr id="23" name="TextBox 22">
+            <a:extLst>
+              <a:ext uri="{FF2B5EF4-FFF2-40B4-BE49-F238E27FC236}">
+                <a16:creationId xmlns:a16="http://schemas.microsoft.com/office/drawing/2014/main" id="{28C2BB2B-921A-5C45-9920-C83C03BCDC30}"/>
+              </a:ext>
+            </a:extLst>
+          </p:cNvPr>
+          <p:cNvSpPr txBox="1"/>
+          <p:nvPr/>
+        </p:nvSpPr>
+        <p:spPr>
+          <a:xfrm>
+            <a:off x="8897475" y="2468213"/>
+            <a:ext cx="3343608" cy="369332"/>
+          </a:xfrm>
+          <a:prstGeom prst="rect">
+            <a:avLst/>
+          </a:prstGeom>
+          <a:noFill/>
+        </p:spPr>
+        <p:txBody>
+          <a:bodyPr wrap="none" rtlCol="0">
+            <a:spAutoFit/>
+          </a:bodyPr>
+          <a:lstStyle/>
+          <a:p>
+            <a:r>
+              <a:rPr lang="en-US" dirty="0"/>
+              <a:t>Trained linear model/prediction</a:t>
+            </a:r>
+          </a:p>
+        </p:txBody>
+      </p:sp>
     </p:spTree>
     <p:extLst>
       <p:ext uri="{BB962C8B-B14F-4D97-AF65-F5344CB8AC3E}">
@@ -17747,6 +18537,159 @@
                       </p:childTnLst>
                     </p:cTn>
                   </p:par>
+                  <p:par>
+                    <p:cTn id="7" fill="hold">
+                      <p:stCondLst>
+                        <p:cond delay="indefinite"/>
+                      </p:stCondLst>
+                      <p:childTnLst>
+                        <p:par>
+                          <p:cTn id="8" fill="hold">
+                            <p:stCondLst>
+                              <p:cond delay="0"/>
+                            </p:stCondLst>
+                            <p:childTnLst>
+                              <p:par>
+                                <p:cTn id="9" presetID="1" presetClass="entr" presetSubtype="0" fill="hold" nodeType="clickEffect">
+                                  <p:stCondLst>
+                                    <p:cond delay="0"/>
+                                  </p:stCondLst>
+                                  <p:childTnLst>
+                                    <p:set>
+                                      <p:cBhvr>
+                                        <p:cTn id="10" dur="1" fill="hold">
+                                          <p:stCondLst>
+                                            <p:cond delay="0"/>
+                                          </p:stCondLst>
+                                        </p:cTn>
+                                        <p:tgtEl>
+                                          <p:spTgt spid="8"/>
+                                        </p:tgtEl>
+                                        <p:attrNameLst>
+                                          <p:attrName>style.visibility</p:attrName>
+                                        </p:attrNameLst>
+                                      </p:cBhvr>
+                                      <p:to>
+                                        <p:strVal val="visible"/>
+                                      </p:to>
+                                    </p:set>
+                                  </p:childTnLst>
+                                </p:cTn>
+                              </p:par>
+                              <p:par>
+                                <p:cTn id="11" presetID="1" presetClass="entr" presetSubtype="0" fill="hold" nodeType="withEffect">
+                                  <p:stCondLst>
+                                    <p:cond delay="0"/>
+                                  </p:stCondLst>
+                                  <p:childTnLst>
+                                    <p:set>
+                                      <p:cBhvr>
+                                        <p:cTn id="12" dur="1" fill="hold">
+                                          <p:stCondLst>
+                                            <p:cond delay="0"/>
+                                          </p:stCondLst>
+                                        </p:cTn>
+                                        <p:tgtEl>
+                                          <p:spTgt spid="3"/>
+                                        </p:tgtEl>
+                                        <p:attrNameLst>
+                                          <p:attrName>style.visibility</p:attrName>
+                                        </p:attrNameLst>
+                                      </p:cBhvr>
+                                      <p:to>
+                                        <p:strVal val="visible"/>
+                                      </p:to>
+                                    </p:set>
+                                  </p:childTnLst>
+                                </p:cTn>
+                              </p:par>
+                              <p:par>
+                                <p:cTn id="13" presetID="1" presetClass="entr" presetSubtype="0" fill="hold" nodeType="withEffect">
+                                  <p:stCondLst>
+                                    <p:cond delay="0"/>
+                                  </p:stCondLst>
+                                  <p:childTnLst>
+                                    <p:set>
+                                      <p:cBhvr>
+                                        <p:cTn id="14" dur="1" fill="hold">
+                                          <p:stCondLst>
+                                            <p:cond delay="0"/>
+                                          </p:stCondLst>
+                                        </p:cTn>
+                                        <p:tgtEl>
+                                          <p:spTgt spid="14"/>
+                                        </p:tgtEl>
+                                        <p:attrNameLst>
+                                          <p:attrName>style.visibility</p:attrName>
+                                        </p:attrNameLst>
+                                      </p:cBhvr>
+                                      <p:to>
+                                        <p:strVal val="visible"/>
+                                      </p:to>
+                                    </p:set>
+                                  </p:childTnLst>
+                                </p:cTn>
+                              </p:par>
+                              <p:par>
+                                <p:cTn id="15" presetID="1" presetClass="entr" presetSubtype="0" fill="hold" nodeType="withEffect">
+                                  <p:stCondLst>
+                                    <p:cond delay="0"/>
+                                  </p:stCondLst>
+                                  <p:childTnLst>
+                                    <p:set>
+                                      <p:cBhvr>
+                                        <p:cTn id="16" dur="1" fill="hold">
+                                          <p:stCondLst>
+                                            <p:cond delay="0"/>
+                                          </p:stCondLst>
+                                        </p:cTn>
+                                        <p:tgtEl>
+                                          <p:spTgt spid="15"/>
+                                        </p:tgtEl>
+                                        <p:attrNameLst>
+                                          <p:attrName>style.visibility</p:attrName>
+                                        </p:attrNameLst>
+                                      </p:cBhvr>
+                                      <p:to>
+                                        <p:strVal val="visible"/>
+                                      </p:to>
+                                    </p:set>
+                                  </p:childTnLst>
+                                </p:cTn>
+                              </p:par>
+                              <p:par>
+                                <p:cTn id="17" presetID="1" presetClass="entr" presetSubtype="0" fill="hold" nodeType="withEffect">
+                                  <p:stCondLst>
+                                    <p:cond delay="0"/>
+                                  </p:stCondLst>
+                                  <p:childTnLst>
+                                    <p:set>
+                                      <p:cBhvr>
+                                        <p:cTn id="18" dur="1" fill="hold">
+                                          <p:stCondLst>
+                                            <p:cond delay="0"/>
+                                          </p:stCondLst>
+                                        </p:cTn>
+                                        <p:tgtEl>
+                                          <p:spTgt spid="18"/>
+                                        </p:tgtEl>
+                                        <p:attrNameLst>
+                                          <p:attrName>style.visibility</p:attrName>
+                                        </p:attrNameLst>
+                                      </p:cBhvr>
+                                      <p:to>
+                                        <p:strVal val="visible"/>
+                                      </p:to>
+                                    </p:set>
+                                  </p:childTnLst>
+                                </p:cTn>
+                              </p:par>
+                            </p:childTnLst>
+                          </p:cTn>
+                        </p:par>
+                      </p:childTnLst>
+                    </p:cTn>
+                  </p:par>
                 </p:childTnLst>
               </p:cTn>
               <p:prevCondLst>
@@ -17772,7 +18715,7 @@
 </p:sld>
 </file>
 
-<file path=ppt/slides/slide5.xml><?xml version="1.0" encoding="utf-8"?>
+<file path=ppt/slides/slide6.xml><?xml version="1.0" encoding="utf-8"?>
 <p:sld xmlns:a="http://schemas.openxmlformats.org/drawingml/2006/main" xmlns:r="http://schemas.openxmlformats.org/officeDocument/2006/relationships" xmlns:p="http://schemas.openxmlformats.org/presentationml/2006/main">
   <p:cSld>
     <p:spTree>
@@ -18108,7 +19051,7 @@
 </p:sld>
 </file>
 
-<file path=ppt/slides/slide6.xml><?xml version="1.0" encoding="utf-8"?>
+<file path=ppt/slides/slide7.xml><?xml version="1.0" encoding="utf-8"?>
 <p:sld xmlns:a="http://schemas.openxmlformats.org/drawingml/2006/main" xmlns:r="http://schemas.openxmlformats.org/officeDocument/2006/relationships" xmlns:p="http://schemas.openxmlformats.org/presentationml/2006/main">
   <p:cSld>
     <p:spTree>
@@ -18268,7 +19211,7 @@
 </p:sld>
 </file>
 
-<file path=ppt/slides/slide7.xml><?xml version="1.0" encoding="utf-8"?>
+<file path=ppt/slides/slide8.xml><?xml version="1.0" encoding="utf-8"?>
 <p:sld xmlns:a="http://schemas.openxmlformats.org/drawingml/2006/main" xmlns:r="http://schemas.openxmlformats.org/officeDocument/2006/relationships" xmlns:p="http://schemas.openxmlformats.org/presentationml/2006/main">
   <p:cSld>
     <p:spTree>
@@ -18425,7 +19368,7 @@
 </p:sld>
 </file>
 
-<file path=ppt/slides/slide8.xml><?xml version="1.0" encoding="utf-8"?>
+<file path=ppt/slides/slide9.xml><?xml version="1.0" encoding="utf-8"?>
 <p:sld xmlns:a="http://schemas.openxmlformats.org/drawingml/2006/main" xmlns:r="http://schemas.openxmlformats.org/officeDocument/2006/relationships" xmlns:p="http://schemas.openxmlformats.org/presentationml/2006/main">
   <p:cSld>
     <p:spTree>
@@ -18573,163 +19516,6 @@
     <p:extLst>
       <p:ext uri="{BB962C8B-B14F-4D97-AF65-F5344CB8AC3E}">
         <p14:creationId xmlns:p14="http://schemas.microsoft.com/office/powerpoint/2010/main" val="2836550199"/>
-      </p:ext>
-    </p:extLst>
-  </p:cSld>
-  <p:clrMapOvr>
-    <a:masterClrMapping/>
-  </p:clrMapOvr>
-</p:sld>
-</file>
-
-<file path=ppt/slides/slide9.xml><?xml version="1.0" encoding="utf-8"?>
-<p:sld xmlns:a="http://schemas.openxmlformats.org/drawingml/2006/main" xmlns:r="http://schemas.openxmlformats.org/officeDocument/2006/relationships" xmlns:p="http://schemas.openxmlformats.org/presentationml/2006/main">
-  <p:cSld>
-    <p:spTree>
-      <p:nvGrpSpPr>
-        <p:cNvPr id="1" name=""/>
-        <p:cNvGrpSpPr/>
-        <p:nvPr/>
-      </p:nvGrpSpPr>
-      <p:grpSpPr>
-        <a:xfrm>
-          <a:off x="0" y="0"/>
-          <a:ext cx="0" cy="0"/>
-          <a:chOff x="0" y="0"/>
-          <a:chExt cx="0" cy="0"/>
-        </a:xfrm>
-      </p:grpSpPr>
-      <p:sp>
-        <p:nvSpPr>
-          <p:cNvPr id="6" name="Rectangle 5"/>
-          <p:cNvSpPr/>
-          <p:nvPr/>
-        </p:nvSpPr>
-        <p:spPr>
-          <a:xfrm>
-            <a:off x="1889759" y="137160"/>
-            <a:ext cx="6654386" cy="523220"/>
-          </a:xfrm>
-          <a:prstGeom prst="rect">
-            <a:avLst/>
-          </a:prstGeom>
-        </p:spPr>
-        <p:txBody>
-          <a:bodyPr wrap="none">
-            <a:spAutoFit/>
-          </a:bodyPr>
-          <a:lstStyle/>
-          <a:p>
-            <a:pPr>
-              <a:defRPr/>
-            </a:pPr>
-            <a:r>
-              <a:rPr lang="en-US" sz="2800" kern="0" dirty="0">
-                <a:solidFill>
-                  <a:schemeClr val="bg1"/>
-                </a:solidFill>
-                <a:latin typeface="Century Gothic" panose="020B0502020202020204" pitchFamily="34" charset="0"/>
-              </a:rPr>
-              <a:t>Linear Regression – Gradient Descent</a:t>
-            </a:r>
-            <a:endParaRPr lang="en-US" sz="2800" b="1" kern="0" dirty="0">
-              <a:solidFill>
-                <a:schemeClr val="bg1"/>
-              </a:solidFill>
-              <a:latin typeface="Century Gothic" pitchFamily="34" charset="0"/>
-            </a:endParaRPr>
-          </a:p>
-        </p:txBody>
-      </p:sp>
-      <p:pic>
-        <p:nvPicPr>
-          <p:cNvPr id="3" name="Picture 2"/>
-          <p:cNvPicPr>
-            <a:picLocks noChangeAspect="1"/>
-          </p:cNvPicPr>
-          <p:nvPr/>
-        </p:nvPicPr>
-        <p:blipFill>
-          <a:blip r:embed="rId2"/>
-          <a:stretch>
-            <a:fillRect/>
-          </a:stretch>
-        </p:blipFill>
-        <p:spPr>
-          <a:xfrm>
-            <a:off x="3124200" y="975834"/>
-            <a:ext cx="5943600" cy="5882167"/>
-          </a:xfrm>
-          <a:prstGeom prst="rect">
-            <a:avLst/>
-          </a:prstGeom>
-        </p:spPr>
-      </p:pic>
-      <p:pic>
-        <p:nvPicPr>
-          <p:cNvPr id="2" name="Picture 1"/>
-          <p:cNvPicPr>
-            <a:picLocks noChangeAspect="1"/>
-          </p:cNvPicPr>
-          <p:nvPr/>
-        </p:nvPicPr>
-        <p:blipFill rotWithShape="1">
-          <a:blip r:embed="rId3"/>
-          <a:srcRect l="18764" r="48409"/>
-          <a:stretch/>
-        </p:blipFill>
-        <p:spPr>
-          <a:xfrm>
-            <a:off x="9112578" y="1490663"/>
-            <a:ext cx="1555422" cy="4852506"/>
-          </a:xfrm>
-          <a:prstGeom prst="rect">
-            <a:avLst/>
-          </a:prstGeom>
-        </p:spPr>
-      </p:pic>
-      <p:cxnSp>
-        <p:nvCxnSpPr>
-          <p:cNvPr id="5" name="Straight Connector 4"/>
-          <p:cNvCxnSpPr>
-            <a:cxnSpLocks/>
-          </p:cNvCxnSpPr>
-          <p:nvPr/>
-        </p:nvCxnSpPr>
-        <p:spPr>
-          <a:xfrm flipH="1">
-            <a:off x="8971178" y="660380"/>
-            <a:ext cx="96623" cy="6197620"/>
-          </a:xfrm>
-          <a:prstGeom prst="line">
-            <a:avLst/>
-          </a:prstGeom>
-          <a:ln w="28575">
-            <a:solidFill>
-              <a:schemeClr val="tx1"/>
-            </a:solidFill>
-          </a:ln>
-          <a:effectLst/>
-        </p:spPr>
-        <p:style>
-          <a:lnRef idx="2">
-            <a:schemeClr val="accent1"/>
-          </a:lnRef>
-          <a:fillRef idx="0">
-            <a:schemeClr val="accent1"/>
-          </a:fillRef>
-          <a:effectRef idx="1">
-            <a:schemeClr val="accent1"/>
-          </a:effectRef>
-          <a:fontRef idx="minor">
-            <a:schemeClr val="tx1"/>
-          </a:fontRef>
-        </p:style>
-      </p:cxnSp>
-    </p:spTree>
-    <p:extLst>
-      <p:ext uri="{BB962C8B-B14F-4D97-AF65-F5344CB8AC3E}">
-        <p14:creationId xmlns:p14="http://schemas.microsoft.com/office/powerpoint/2010/main" val="2839835115"/>
       </p:ext>
     </p:extLst>
   </p:cSld>

--- a/lecture_15/machine_learning_slides.pptx
+++ b/lecture_15/machine_learning_slides.pptx
@@ -13180,7 +13180,7 @@
               <a:buNone/>
             </a:pPr>
             <a:r>
-              <a:rPr lang="en-US" dirty="0"/>
+              <a:rPr lang="en-US" b="1" dirty="0"/>
               <a:t>In the terminal, grab updated slides and lecture and install necessary software:</a:t>
             </a:r>
           </a:p>
@@ -13293,23 +13293,23 @@
               <a:buNone/>
             </a:pPr>
             <a:r>
-              <a:rPr lang="en-US" dirty="0"/>
+              <a:rPr lang="en-US" b="1" dirty="0"/>
               <a:t>In the </a:t>
             </a:r>
             <a:r>
-              <a:rPr lang="en-US" dirty="0" err="1"/>
+              <a:rPr lang="en-US" b="1" dirty="0" err="1"/>
               <a:t>jupyter</a:t>
             </a:r>
             <a:r>
-              <a:rPr lang="en-US" dirty="0"/>
+              <a:rPr lang="en-US" b="1" dirty="0"/>
               <a:t> notebook, download the dataset from </a:t>
             </a:r>
             <a:r>
-              <a:rPr lang="en-US" dirty="0" err="1"/>
+              <a:rPr lang="en-US" b="1" dirty="0" err="1"/>
               <a:t>cptac</a:t>
             </a:r>
             <a:r>
-              <a:rPr lang="en-US" dirty="0"/>
+              <a:rPr lang="en-US" b="1" dirty="0"/>
               <a:t>:</a:t>
             </a:r>
           </a:p>
@@ -13339,12 +13339,6 @@
               <a:rPr lang="en-US" dirty="0"/>
               <a:t>(dataset="endometrial")</a:t>
             </a:r>
-          </a:p>
-          <a:p>
-            <a:pPr marL="0" indent="0">
-              <a:buNone/>
-            </a:pPr>
-            <a:endParaRPr lang="en-US" dirty="0"/>
           </a:p>
         </p:txBody>
       </p:sp>
@@ -16214,15 +16208,7 @@
           <a:p>
             <a:r>
               <a:rPr lang="en-US" dirty="0"/>
-              <a:t>If you would like to learn more, Sackler runs </a:t>
-            </a:r>
-            <a:r>
-              <a:rPr lang="en-US"/>
-              <a:t>an excellent </a:t>
-            </a:r>
-            <a:r>
-              <a:rPr lang="en-US" dirty="0"/>
-              <a:t>Machine Learning course that is available at least to grad students. </a:t>
+              <a:t>If you would like to learn more, Sackler runs an excellent Machine Learning course that is available at least to grad students. </a:t>
             </a:r>
           </a:p>
           <a:p>
@@ -18531,26 +18517,35 @@
                                   </p:childTnLst>
                                 </p:cTn>
                               </p:par>
-                            </p:childTnLst>
-                          </p:cTn>
-                        </p:par>
-                      </p:childTnLst>
-                    </p:cTn>
-                  </p:par>
-                  <p:par>
-                    <p:cTn id="7" fill="hold">
-                      <p:stCondLst>
-                        <p:cond delay="indefinite"/>
-                      </p:stCondLst>
-                      <p:childTnLst>
-                        <p:par>
-                          <p:cTn id="8" fill="hold">
-                            <p:stCondLst>
-                              <p:cond delay="0"/>
-                            </p:stCondLst>
-                            <p:childTnLst>
                               <p:par>
-                                <p:cTn id="9" presetID="1" presetClass="entr" presetSubtype="0" fill="hold" nodeType="clickEffect">
+                                <p:cTn id="7" presetID="1" presetClass="entr" presetSubtype="0" fill="hold" nodeType="withEffect">
+                                  <p:stCondLst>
+                                    <p:cond delay="0"/>
+                                  </p:stCondLst>
+                                  <p:childTnLst>
+                                    <p:set>
+                                      <p:cBhvr>
+                                        <p:cTn id="8" dur="1" fill="hold">
+                                          <p:stCondLst>
+                                            <p:cond delay="0"/>
+                                          </p:stCondLst>
+                                        </p:cTn>
+                                        <p:tgtEl>
+                                          <p:spTgt spid="3"/>
+                                        </p:tgtEl>
+                                        <p:attrNameLst>
+                                          <p:attrName>style.visibility</p:attrName>
+                                        </p:attrNameLst>
+                                      </p:cBhvr>
+                                      <p:to>
+                                        <p:strVal val="visible"/>
+                                      </p:to>
+                                    </p:set>
+                                  </p:childTnLst>
+                                </p:cTn>
+                              </p:par>
+                              <p:par>
+                                <p:cTn id="9" presetID="1" presetClass="entr" presetSubtype="0" fill="hold" nodeType="withEffect">
                                   <p:stCondLst>
                                     <p:cond delay="0"/>
                                   </p:stCondLst>
@@ -18563,7 +18558,7 @@
                                           </p:stCondLst>
                                         </p:cTn>
                                         <p:tgtEl>
-                                          <p:spTgt spid="8"/>
+                                          <p:spTgt spid="14"/>
                                         </p:tgtEl>
                                         <p:attrNameLst>
                                           <p:attrName>style.visibility</p:attrName>
@@ -18590,7 +18585,7 @@
                                           </p:stCondLst>
                                         </p:cTn>
                                         <p:tgtEl>
-                                          <p:spTgt spid="3"/>
+                                          <p:spTgt spid="15"/>
                                         </p:tgtEl>
                                         <p:attrNameLst>
                                           <p:attrName>style.visibility</p:attrName>
@@ -18612,60 +18607,6 @@
                                     <p:set>
                                       <p:cBhvr>
                                         <p:cTn id="14" dur="1" fill="hold">
-                                          <p:stCondLst>
-                                            <p:cond delay="0"/>
-                                          </p:stCondLst>
-                                        </p:cTn>
-                                        <p:tgtEl>
-                                          <p:spTgt spid="14"/>
-                                        </p:tgtEl>
-                                        <p:attrNameLst>
-                                          <p:attrName>style.visibility</p:attrName>
-                                        </p:attrNameLst>
-                                      </p:cBhvr>
-                                      <p:to>
-                                        <p:strVal val="visible"/>
-                                      </p:to>
-                                    </p:set>
-                                  </p:childTnLst>
-                                </p:cTn>
-                              </p:par>
-                              <p:par>
-                                <p:cTn id="15" presetID="1" presetClass="entr" presetSubtype="0" fill="hold" nodeType="withEffect">
-                                  <p:stCondLst>
-                                    <p:cond delay="0"/>
-                                  </p:stCondLst>
-                                  <p:childTnLst>
-                                    <p:set>
-                                      <p:cBhvr>
-                                        <p:cTn id="16" dur="1" fill="hold">
-                                          <p:stCondLst>
-                                            <p:cond delay="0"/>
-                                          </p:stCondLst>
-                                        </p:cTn>
-                                        <p:tgtEl>
-                                          <p:spTgt spid="15"/>
-                                        </p:tgtEl>
-                                        <p:attrNameLst>
-                                          <p:attrName>style.visibility</p:attrName>
-                                        </p:attrNameLst>
-                                      </p:cBhvr>
-                                      <p:to>
-                                        <p:strVal val="visible"/>
-                                      </p:to>
-                                    </p:set>
-                                  </p:childTnLst>
-                                </p:cTn>
-                              </p:par>
-                              <p:par>
-                                <p:cTn id="17" presetID="1" presetClass="entr" presetSubtype="0" fill="hold" nodeType="withEffect">
-                                  <p:stCondLst>
-                                    <p:cond delay="0"/>
-                                  </p:stCondLst>
-                                  <p:childTnLst>
-                                    <p:set>
-                                      <p:cBhvr>
-                                        <p:cTn id="18" dur="1" fill="hold">
                                           <p:stCondLst>
                                             <p:cond delay="0"/>
                                           </p:stCondLst>
